--- a/docs/master_rad.0.1.pptx
+++ b/docs/master_rad.0.1.pptx
@@ -5,7 +5,7 @@
     <p:sldMasterId id="2147483648" r:id="rId1"/>
   </p:sldMasterIdLst>
   <p:notesMasterIdLst>
-    <p:notesMasterId r:id="rId50"/>
+    <p:notesMasterId r:id="rId55"/>
   </p:notesMasterIdLst>
   <p:sldIdLst>
     <p:sldId id="256" r:id="rId2"/>
@@ -55,7 +55,12 @@
     <p:sldId id="320" r:id="rId46"/>
     <p:sldId id="321" r:id="rId47"/>
     <p:sldId id="322" r:id="rId48"/>
-    <p:sldId id="276" r:id="rId49"/>
+    <p:sldId id="325" r:id="rId49"/>
+    <p:sldId id="326" r:id="rId50"/>
+    <p:sldId id="327" r:id="rId51"/>
+    <p:sldId id="328" r:id="rId52"/>
+    <p:sldId id="329" r:id="rId53"/>
+    <p:sldId id="276" r:id="rId54"/>
   </p:sldIdLst>
   <p:sldSz cx="12192000" cy="6858000"/>
   <p:notesSz cx="6858000" cy="9144000"/>
@@ -162,6 +167,32 @@
 </p:presentation>
 </file>
 
+<file path=ppt/commentAuthors.xml><?xml version="1.0" encoding="utf-8"?>
+<p:cmAuthorLst xmlns:a="http://schemas.openxmlformats.org/drawingml/2006/main" xmlns:r="http://schemas.openxmlformats.org/officeDocument/2006/relationships" xmlns:p="http://schemas.openxmlformats.org/presentationml/2006/main">
+  <p:cmAuthor id="1" name="Robert Sabo" initials="RS" lastIdx="1" clrIdx="0">
+    <p:extLst>
+      <p:ext uri="{19B8F6BF-5375-455C-9EA6-DF929625EA0E}">
+        <p15:presenceInfo xmlns:p15="http://schemas.microsoft.com/office/powerpoint/2012/main" userId="fee532c0c960f375" providerId="Windows Live"/>
+      </p:ext>
+    </p:extLst>
+  </p:cmAuthor>
+</p:cmAuthorLst>
+</file>
+
+<file path=ppt/comments/comment1.xml><?xml version="1.0" encoding="utf-8"?>
+<p:cmLst xmlns:a="http://schemas.openxmlformats.org/drawingml/2006/main" xmlns:r="http://schemas.openxmlformats.org/officeDocument/2006/relationships" xmlns:p="http://schemas.openxmlformats.org/presentationml/2006/main">
+  <p:cm authorId="1" dt="2020-10-17T21:48:45.158" idx="1">
+    <p:pos x="10" y="10"/>
+    <p:text/>
+    <p:extLst>
+      <p:ext uri="{C676402C-5697-4E1C-873F-D02D1690AC5C}">
+        <p15:threadingInfo xmlns:p15="http://schemas.microsoft.com/office/powerpoint/2012/main" timeZoneBias="-120"/>
+      </p:ext>
+    </p:extLst>
+  </p:cm>
+</p:cmLst>
+</file>
+
 <file path=ppt/notesMasters/notesMaster1.xml><?xml version="1.0" encoding="utf-8"?>
 <p:notesMaster xmlns:a="http://schemas.openxmlformats.org/drawingml/2006/main" xmlns:r="http://schemas.openxmlformats.org/officeDocument/2006/relationships" xmlns:p="http://schemas.openxmlformats.org/presentationml/2006/main">
   <p:cSld>
@@ -244,7 +275,7 @@
           <a:p>
             <a:fld id="{DA80C88A-7687-478E-9332-A0FBE1827FD0}" type="datetimeFigureOut">
               <a:rPr lang="sr-Latn-RS" smtClean="0"/>
-              <a:t>16.10.2020.</a:t>
+              <a:t>17.10.2020.</a:t>
             </a:fld>
             <a:endParaRPr lang="sr-Latn-RS"/>
           </a:p>
@@ -512,6 +543,2379 @@
 </p:notesMaster>
 </file>
 
+<file path=ppt/notesSlides/notesSlide1.xml><?xml version="1.0" encoding="utf-8"?>
+<p:notes xmlns:a="http://schemas.openxmlformats.org/drawingml/2006/main" xmlns:r="http://schemas.openxmlformats.org/officeDocument/2006/relationships" xmlns:p="http://schemas.openxmlformats.org/presentationml/2006/main">
+  <p:cSld>
+    <p:spTree>
+      <p:nvGrpSpPr>
+        <p:cNvPr id="1" name=""/>
+        <p:cNvGrpSpPr/>
+        <p:nvPr/>
+      </p:nvGrpSpPr>
+      <p:grpSpPr>
+        <a:xfrm>
+          <a:off x="0" y="0"/>
+          <a:ext cx="0" cy="0"/>
+          <a:chOff x="0" y="0"/>
+          <a:chExt cx="0" cy="0"/>
+        </a:xfrm>
+      </p:grpSpPr>
+      <p:sp>
+        <p:nvSpPr>
+          <p:cNvPr id="2" name="Slide Image Placeholder 1"/>
+          <p:cNvSpPr>
+            <a:spLocks noGrp="1" noRot="1" noChangeAspect="1"/>
+          </p:cNvSpPr>
+          <p:nvPr>
+            <p:ph type="sldImg"/>
+          </p:nvPr>
+        </p:nvSpPr>
+        <p:spPr/>
+      </p:sp>
+      <p:sp>
+        <p:nvSpPr>
+          <p:cNvPr id="3" name="Notes Placeholder 2"/>
+          <p:cNvSpPr>
+            <a:spLocks noGrp="1"/>
+          </p:cNvSpPr>
+          <p:nvPr>
+            <p:ph type="body" idx="1"/>
+          </p:nvPr>
+        </p:nvSpPr>
+        <p:spPr/>
+        <p:txBody>
+          <a:bodyPr/>
+          <a:lstStyle/>
+          <a:p>
+            <a:endParaRPr lang="en-US" dirty="0"/>
+          </a:p>
+        </p:txBody>
+      </p:sp>
+      <p:sp>
+        <p:nvSpPr>
+          <p:cNvPr id="4" name="Slide Number Placeholder 3"/>
+          <p:cNvSpPr>
+            <a:spLocks noGrp="1"/>
+          </p:cNvSpPr>
+          <p:nvPr>
+            <p:ph type="sldNum" sz="quarter" idx="5"/>
+          </p:nvPr>
+        </p:nvSpPr>
+        <p:spPr/>
+        <p:txBody>
+          <a:bodyPr/>
+          <a:lstStyle/>
+          <a:p>
+            <a:fld id="{A4C5B70F-55C8-4301-8AC5-47F8CE76EC3B}" type="slidenum">
+              <a:rPr lang="sr-Latn-RS" smtClean="0"/>
+              <a:t>1</a:t>
+            </a:fld>
+            <a:endParaRPr lang="sr-Latn-RS"/>
+          </a:p>
+        </p:txBody>
+      </p:sp>
+    </p:spTree>
+    <p:extLst>
+      <p:ext uri="{BB962C8B-B14F-4D97-AF65-F5344CB8AC3E}">
+        <p14:creationId xmlns:p14="http://schemas.microsoft.com/office/powerpoint/2010/main" val="1273319739"/>
+      </p:ext>
+    </p:extLst>
+  </p:cSld>
+  <p:clrMapOvr>
+    <a:masterClrMapping/>
+  </p:clrMapOvr>
+</p:notes>
+</file>
+
+<file path=ppt/notesSlides/notesSlide10.xml><?xml version="1.0" encoding="utf-8"?>
+<p:notes xmlns:a="http://schemas.openxmlformats.org/drawingml/2006/main" xmlns:r="http://schemas.openxmlformats.org/officeDocument/2006/relationships" xmlns:p="http://schemas.openxmlformats.org/presentationml/2006/main">
+  <p:cSld>
+    <p:spTree>
+      <p:nvGrpSpPr>
+        <p:cNvPr id="1" name=""/>
+        <p:cNvGrpSpPr/>
+        <p:nvPr/>
+      </p:nvGrpSpPr>
+      <p:grpSpPr>
+        <a:xfrm>
+          <a:off x="0" y="0"/>
+          <a:ext cx="0" cy="0"/>
+          <a:chOff x="0" y="0"/>
+          <a:chExt cx="0" cy="0"/>
+        </a:xfrm>
+      </p:grpSpPr>
+      <p:sp>
+        <p:nvSpPr>
+          <p:cNvPr id="2" name="Slide Image Placeholder 1"/>
+          <p:cNvSpPr>
+            <a:spLocks noGrp="1" noRot="1" noChangeAspect="1"/>
+          </p:cNvSpPr>
+          <p:nvPr>
+            <p:ph type="sldImg"/>
+          </p:nvPr>
+        </p:nvSpPr>
+        <p:spPr/>
+      </p:sp>
+      <p:sp>
+        <p:nvSpPr>
+          <p:cNvPr id="3" name="Notes Placeholder 2"/>
+          <p:cNvSpPr>
+            <a:spLocks noGrp="1"/>
+          </p:cNvSpPr>
+          <p:nvPr>
+            <p:ph type="body" idx="1"/>
+          </p:nvPr>
+        </p:nvSpPr>
+        <p:spPr/>
+        <p:txBody>
+          <a:bodyPr/>
+          <a:lstStyle/>
+          <a:p>
+            <a:r>
+              <a:rPr lang="en-US" dirty="0"/>
+              <a:t>Sta </a:t>
+            </a:r>
+            <a:r>
+              <a:rPr lang="en-US" dirty="0" err="1"/>
+              <a:t>merimo</a:t>
+            </a:r>
+            <a:r>
+              <a:rPr lang="en-US" dirty="0"/>
+              <a:t>????</a:t>
+            </a:r>
+          </a:p>
+        </p:txBody>
+      </p:sp>
+      <p:sp>
+        <p:nvSpPr>
+          <p:cNvPr id="4" name="Slide Number Placeholder 3"/>
+          <p:cNvSpPr>
+            <a:spLocks noGrp="1"/>
+          </p:cNvSpPr>
+          <p:nvPr>
+            <p:ph type="sldNum" sz="quarter" idx="5"/>
+          </p:nvPr>
+        </p:nvSpPr>
+        <p:spPr/>
+        <p:txBody>
+          <a:bodyPr/>
+          <a:lstStyle/>
+          <a:p>
+            <a:fld id="{A4C5B70F-55C8-4301-8AC5-47F8CE76EC3B}" type="slidenum">
+              <a:rPr lang="sr-Latn-RS" smtClean="0"/>
+              <a:t>29</a:t>
+            </a:fld>
+            <a:endParaRPr lang="sr-Latn-RS"/>
+          </a:p>
+        </p:txBody>
+      </p:sp>
+    </p:spTree>
+    <p:extLst>
+      <p:ext uri="{BB962C8B-B14F-4D97-AF65-F5344CB8AC3E}">
+        <p14:creationId xmlns:p14="http://schemas.microsoft.com/office/powerpoint/2010/main" val="3135077293"/>
+      </p:ext>
+    </p:extLst>
+  </p:cSld>
+  <p:clrMapOvr>
+    <a:masterClrMapping/>
+  </p:clrMapOvr>
+</p:notes>
+</file>
+
+<file path=ppt/notesSlides/notesSlide11.xml><?xml version="1.0" encoding="utf-8"?>
+<p:notes xmlns:a="http://schemas.openxmlformats.org/drawingml/2006/main" xmlns:r="http://schemas.openxmlformats.org/officeDocument/2006/relationships" xmlns:p="http://schemas.openxmlformats.org/presentationml/2006/main">
+  <p:cSld>
+    <p:spTree>
+      <p:nvGrpSpPr>
+        <p:cNvPr id="1" name=""/>
+        <p:cNvGrpSpPr/>
+        <p:nvPr/>
+      </p:nvGrpSpPr>
+      <p:grpSpPr>
+        <a:xfrm>
+          <a:off x="0" y="0"/>
+          <a:ext cx="0" cy="0"/>
+          <a:chOff x="0" y="0"/>
+          <a:chExt cx="0" cy="0"/>
+        </a:xfrm>
+      </p:grpSpPr>
+      <p:sp>
+        <p:nvSpPr>
+          <p:cNvPr id="2" name="Slide Image Placeholder 1"/>
+          <p:cNvSpPr>
+            <a:spLocks noGrp="1" noRot="1" noChangeAspect="1"/>
+          </p:cNvSpPr>
+          <p:nvPr>
+            <p:ph type="sldImg"/>
+          </p:nvPr>
+        </p:nvSpPr>
+        <p:spPr/>
+      </p:sp>
+      <p:sp>
+        <p:nvSpPr>
+          <p:cNvPr id="3" name="Notes Placeholder 2"/>
+          <p:cNvSpPr>
+            <a:spLocks noGrp="1"/>
+          </p:cNvSpPr>
+          <p:nvPr>
+            <p:ph type="body" idx="1"/>
+          </p:nvPr>
+        </p:nvSpPr>
+        <p:spPr/>
+        <p:txBody>
+          <a:bodyPr/>
+          <a:lstStyle/>
+          <a:p>
+            <a:r>
+              <a:rPr lang="en-US" dirty="0"/>
+              <a:t>…</a:t>
+            </a:r>
+          </a:p>
+          <a:p>
+            <a:r>
+              <a:rPr lang="en-US" b="0" i="1" u="sng" dirty="0" err="1"/>
+              <a:t>Sl</a:t>
+            </a:r>
+            <a:r>
+              <a:rPr lang="en-US" b="0" i="1" u="sng" dirty="0"/>
+              <a:t> </a:t>
+            </a:r>
+            <a:r>
+              <a:rPr lang="en-US" b="0" i="1" u="sng" dirty="0" err="1"/>
+              <a:t>slajd</a:t>
+            </a:r>
+            <a:r>
+              <a:rPr lang="en-US" b="0" i="1" u="sng" dirty="0"/>
+              <a:t> primer….</a:t>
+            </a:r>
+          </a:p>
+        </p:txBody>
+      </p:sp>
+      <p:sp>
+        <p:nvSpPr>
+          <p:cNvPr id="4" name="Slide Number Placeholder 3"/>
+          <p:cNvSpPr>
+            <a:spLocks noGrp="1"/>
+          </p:cNvSpPr>
+          <p:nvPr>
+            <p:ph type="sldNum" sz="quarter" idx="5"/>
+          </p:nvPr>
+        </p:nvSpPr>
+        <p:spPr/>
+        <p:txBody>
+          <a:bodyPr/>
+          <a:lstStyle/>
+          <a:p>
+            <a:fld id="{A4C5B70F-55C8-4301-8AC5-47F8CE76EC3B}" type="slidenum">
+              <a:rPr lang="sr-Latn-RS" smtClean="0"/>
+              <a:t>34</a:t>
+            </a:fld>
+            <a:endParaRPr lang="sr-Latn-RS"/>
+          </a:p>
+        </p:txBody>
+      </p:sp>
+    </p:spTree>
+    <p:extLst>
+      <p:ext uri="{BB962C8B-B14F-4D97-AF65-F5344CB8AC3E}">
+        <p14:creationId xmlns:p14="http://schemas.microsoft.com/office/powerpoint/2010/main" val="1465367270"/>
+      </p:ext>
+    </p:extLst>
+  </p:cSld>
+  <p:clrMapOvr>
+    <a:masterClrMapping/>
+  </p:clrMapOvr>
+</p:notes>
+</file>
+
+<file path=ppt/notesSlides/notesSlide12.xml><?xml version="1.0" encoding="utf-8"?>
+<p:notes xmlns:a="http://schemas.openxmlformats.org/drawingml/2006/main" xmlns:r="http://schemas.openxmlformats.org/officeDocument/2006/relationships" xmlns:p="http://schemas.openxmlformats.org/presentationml/2006/main">
+  <p:cSld>
+    <p:spTree>
+      <p:nvGrpSpPr>
+        <p:cNvPr id="1" name=""/>
+        <p:cNvGrpSpPr/>
+        <p:nvPr/>
+      </p:nvGrpSpPr>
+      <p:grpSpPr>
+        <a:xfrm>
+          <a:off x="0" y="0"/>
+          <a:ext cx="0" cy="0"/>
+          <a:chOff x="0" y="0"/>
+          <a:chExt cx="0" cy="0"/>
+        </a:xfrm>
+      </p:grpSpPr>
+      <p:sp>
+        <p:nvSpPr>
+          <p:cNvPr id="2" name="Slide Image Placeholder 1"/>
+          <p:cNvSpPr>
+            <a:spLocks noGrp="1" noRot="1" noChangeAspect="1"/>
+          </p:cNvSpPr>
+          <p:nvPr>
+            <p:ph type="sldImg"/>
+          </p:nvPr>
+        </p:nvSpPr>
+        <p:spPr/>
+      </p:sp>
+      <p:sp>
+        <p:nvSpPr>
+          <p:cNvPr id="3" name="Notes Placeholder 2"/>
+          <p:cNvSpPr>
+            <a:spLocks noGrp="1"/>
+          </p:cNvSpPr>
+          <p:nvPr>
+            <p:ph type="body" idx="1"/>
+          </p:nvPr>
+        </p:nvSpPr>
+        <p:spPr/>
+        <p:txBody>
+          <a:bodyPr/>
+          <a:lstStyle/>
+          <a:p>
+            <a:r>
+              <a:rPr lang="en-US" dirty="0" err="1"/>
+              <a:t>Sve</a:t>
+            </a:r>
+            <a:r>
+              <a:rPr lang="en-US" dirty="0"/>
+              <a:t> </a:t>
+            </a:r>
+            <a:r>
+              <a:rPr lang="en-US" dirty="0" err="1"/>
+              <a:t>postavili</a:t>
+            </a:r>
+            <a:r>
+              <a:rPr lang="en-US" dirty="0"/>
+              <a:t>… </a:t>
+            </a:r>
+            <a:r>
+              <a:rPr lang="en-US" dirty="0" err="1"/>
+              <a:t>sta</a:t>
+            </a:r>
+            <a:r>
+              <a:rPr lang="en-US" dirty="0"/>
+              <a:t> sad?</a:t>
+            </a:r>
+          </a:p>
+          <a:p>
+            <a:r>
+              <a:rPr lang="en-US" i="1" u="sng" dirty="0" err="1"/>
+              <a:t>Sl</a:t>
+            </a:r>
+            <a:r>
+              <a:rPr lang="en-US" i="1" u="sng" dirty="0"/>
+              <a:t> </a:t>
+            </a:r>
+            <a:r>
+              <a:rPr lang="en-US" i="1" u="sng" dirty="0" err="1"/>
+              <a:t>slajd</a:t>
+            </a:r>
+            <a:r>
+              <a:rPr lang="en-US" i="1" u="sng" dirty="0"/>
+              <a:t> primer…</a:t>
+            </a:r>
+          </a:p>
+        </p:txBody>
+      </p:sp>
+      <p:sp>
+        <p:nvSpPr>
+          <p:cNvPr id="4" name="Slide Number Placeholder 3"/>
+          <p:cNvSpPr>
+            <a:spLocks noGrp="1"/>
+          </p:cNvSpPr>
+          <p:nvPr>
+            <p:ph type="sldNum" sz="quarter" idx="5"/>
+          </p:nvPr>
+        </p:nvSpPr>
+        <p:spPr/>
+        <p:txBody>
+          <a:bodyPr/>
+          <a:lstStyle/>
+          <a:p>
+            <a:fld id="{A4C5B70F-55C8-4301-8AC5-47F8CE76EC3B}" type="slidenum">
+              <a:rPr lang="sr-Latn-RS" smtClean="0"/>
+              <a:t>36</a:t>
+            </a:fld>
+            <a:endParaRPr lang="sr-Latn-RS"/>
+          </a:p>
+        </p:txBody>
+      </p:sp>
+    </p:spTree>
+    <p:extLst>
+      <p:ext uri="{BB962C8B-B14F-4D97-AF65-F5344CB8AC3E}">
+        <p14:creationId xmlns:p14="http://schemas.microsoft.com/office/powerpoint/2010/main" val="654559361"/>
+      </p:ext>
+    </p:extLst>
+  </p:cSld>
+  <p:clrMapOvr>
+    <a:masterClrMapping/>
+  </p:clrMapOvr>
+</p:notes>
+</file>
+
+<file path=ppt/notesSlides/notesSlide13.xml><?xml version="1.0" encoding="utf-8"?>
+<p:notes xmlns:a="http://schemas.openxmlformats.org/drawingml/2006/main" xmlns:r="http://schemas.openxmlformats.org/officeDocument/2006/relationships" xmlns:p="http://schemas.openxmlformats.org/presentationml/2006/main">
+  <p:cSld>
+    <p:spTree>
+      <p:nvGrpSpPr>
+        <p:cNvPr id="1" name=""/>
+        <p:cNvGrpSpPr/>
+        <p:nvPr/>
+      </p:nvGrpSpPr>
+      <p:grpSpPr>
+        <a:xfrm>
+          <a:off x="0" y="0"/>
+          <a:ext cx="0" cy="0"/>
+          <a:chOff x="0" y="0"/>
+          <a:chExt cx="0" cy="0"/>
+        </a:xfrm>
+      </p:grpSpPr>
+      <p:sp>
+        <p:nvSpPr>
+          <p:cNvPr id="2" name="Slide Image Placeholder 1"/>
+          <p:cNvSpPr>
+            <a:spLocks noGrp="1" noRot="1" noChangeAspect="1"/>
+          </p:cNvSpPr>
+          <p:nvPr>
+            <p:ph type="sldImg"/>
+          </p:nvPr>
+        </p:nvSpPr>
+        <p:spPr/>
+      </p:sp>
+      <p:sp>
+        <p:nvSpPr>
+          <p:cNvPr id="3" name="Notes Placeholder 2"/>
+          <p:cNvSpPr>
+            <a:spLocks noGrp="1"/>
+          </p:cNvSpPr>
+          <p:nvPr>
+            <p:ph type="body" idx="1"/>
+          </p:nvPr>
+        </p:nvSpPr>
+        <p:spPr/>
+        <p:txBody>
+          <a:bodyPr/>
+          <a:lstStyle/>
+          <a:p>
+            <a:r>
+              <a:rPr lang="en-US" i="1" u="sng" dirty="0" err="1"/>
+              <a:t>Sl</a:t>
+            </a:r>
+            <a:r>
+              <a:rPr lang="en-US" i="1" u="sng" dirty="0"/>
+              <a:t> </a:t>
+            </a:r>
+            <a:r>
+              <a:rPr lang="en-US" i="1" u="sng" dirty="0" err="1"/>
+              <a:t>slajd</a:t>
+            </a:r>
+            <a:r>
+              <a:rPr lang="en-US" i="1" u="sng" dirty="0"/>
+              <a:t> primer…</a:t>
+            </a:r>
+            <a:endParaRPr lang="en-US" dirty="0"/>
+          </a:p>
+        </p:txBody>
+      </p:sp>
+      <p:sp>
+        <p:nvSpPr>
+          <p:cNvPr id="4" name="Slide Number Placeholder 3"/>
+          <p:cNvSpPr>
+            <a:spLocks noGrp="1"/>
+          </p:cNvSpPr>
+          <p:nvPr>
+            <p:ph type="sldNum" sz="quarter" idx="5"/>
+          </p:nvPr>
+        </p:nvSpPr>
+        <p:spPr/>
+        <p:txBody>
+          <a:bodyPr/>
+          <a:lstStyle/>
+          <a:p>
+            <a:fld id="{A4C5B70F-55C8-4301-8AC5-47F8CE76EC3B}" type="slidenum">
+              <a:rPr lang="sr-Latn-RS" smtClean="0"/>
+              <a:t>37</a:t>
+            </a:fld>
+            <a:endParaRPr lang="sr-Latn-RS"/>
+          </a:p>
+        </p:txBody>
+      </p:sp>
+    </p:spTree>
+    <p:extLst>
+      <p:ext uri="{BB962C8B-B14F-4D97-AF65-F5344CB8AC3E}">
+        <p14:creationId xmlns:p14="http://schemas.microsoft.com/office/powerpoint/2010/main" val="3147181777"/>
+      </p:ext>
+    </p:extLst>
+  </p:cSld>
+  <p:clrMapOvr>
+    <a:masterClrMapping/>
+  </p:clrMapOvr>
+</p:notes>
+</file>
+
+<file path=ppt/notesSlides/notesSlide14.xml><?xml version="1.0" encoding="utf-8"?>
+<p:notes xmlns:a="http://schemas.openxmlformats.org/drawingml/2006/main" xmlns:r="http://schemas.openxmlformats.org/officeDocument/2006/relationships" xmlns:p="http://schemas.openxmlformats.org/presentationml/2006/main">
+  <p:cSld>
+    <p:spTree>
+      <p:nvGrpSpPr>
+        <p:cNvPr id="1" name=""/>
+        <p:cNvGrpSpPr/>
+        <p:nvPr/>
+      </p:nvGrpSpPr>
+      <p:grpSpPr>
+        <a:xfrm>
+          <a:off x="0" y="0"/>
+          <a:ext cx="0" cy="0"/>
+          <a:chOff x="0" y="0"/>
+          <a:chExt cx="0" cy="0"/>
+        </a:xfrm>
+      </p:grpSpPr>
+      <p:sp>
+        <p:nvSpPr>
+          <p:cNvPr id="2" name="Slide Image Placeholder 1"/>
+          <p:cNvSpPr>
+            <a:spLocks noGrp="1" noRot="1" noChangeAspect="1"/>
+          </p:cNvSpPr>
+          <p:nvPr>
+            <p:ph type="sldImg"/>
+          </p:nvPr>
+        </p:nvSpPr>
+        <p:spPr/>
+      </p:sp>
+      <p:sp>
+        <p:nvSpPr>
+          <p:cNvPr id="3" name="Notes Placeholder 2"/>
+          <p:cNvSpPr>
+            <a:spLocks noGrp="1"/>
+          </p:cNvSpPr>
+          <p:nvPr>
+            <p:ph type="body" idx="1"/>
+          </p:nvPr>
+        </p:nvSpPr>
+        <p:spPr/>
+        <p:txBody>
+          <a:bodyPr/>
+          <a:lstStyle/>
+          <a:p>
+            <a:endParaRPr lang="en-US" dirty="0"/>
+          </a:p>
+        </p:txBody>
+      </p:sp>
+      <p:sp>
+        <p:nvSpPr>
+          <p:cNvPr id="4" name="Slide Number Placeholder 3"/>
+          <p:cNvSpPr>
+            <a:spLocks noGrp="1"/>
+          </p:cNvSpPr>
+          <p:nvPr>
+            <p:ph type="sldNum" sz="quarter" idx="5"/>
+          </p:nvPr>
+        </p:nvSpPr>
+        <p:spPr/>
+        <p:txBody>
+          <a:bodyPr/>
+          <a:lstStyle/>
+          <a:p>
+            <a:fld id="{A4C5B70F-55C8-4301-8AC5-47F8CE76EC3B}" type="slidenum">
+              <a:rPr lang="sr-Latn-RS" smtClean="0"/>
+              <a:t>38</a:t>
+            </a:fld>
+            <a:endParaRPr lang="sr-Latn-RS"/>
+          </a:p>
+        </p:txBody>
+      </p:sp>
+    </p:spTree>
+    <p:extLst>
+      <p:ext uri="{BB962C8B-B14F-4D97-AF65-F5344CB8AC3E}">
+        <p14:creationId xmlns:p14="http://schemas.microsoft.com/office/powerpoint/2010/main" val="1291018527"/>
+      </p:ext>
+    </p:extLst>
+  </p:cSld>
+  <p:clrMapOvr>
+    <a:masterClrMapping/>
+  </p:clrMapOvr>
+</p:notes>
+</file>
+
+<file path=ppt/notesSlides/notesSlide15.xml><?xml version="1.0" encoding="utf-8"?>
+<p:notes xmlns:a="http://schemas.openxmlformats.org/drawingml/2006/main" xmlns:r="http://schemas.openxmlformats.org/officeDocument/2006/relationships" xmlns:p="http://schemas.openxmlformats.org/presentationml/2006/main">
+  <p:cSld>
+    <p:spTree>
+      <p:nvGrpSpPr>
+        <p:cNvPr id="1" name=""/>
+        <p:cNvGrpSpPr/>
+        <p:nvPr/>
+      </p:nvGrpSpPr>
+      <p:grpSpPr>
+        <a:xfrm>
+          <a:off x="0" y="0"/>
+          <a:ext cx="0" cy="0"/>
+          <a:chOff x="0" y="0"/>
+          <a:chExt cx="0" cy="0"/>
+        </a:xfrm>
+      </p:grpSpPr>
+      <p:sp>
+        <p:nvSpPr>
+          <p:cNvPr id="2" name="Slide Image Placeholder 1"/>
+          <p:cNvSpPr>
+            <a:spLocks noGrp="1" noRot="1" noChangeAspect="1"/>
+          </p:cNvSpPr>
+          <p:nvPr>
+            <p:ph type="sldImg"/>
+          </p:nvPr>
+        </p:nvSpPr>
+        <p:spPr/>
+      </p:sp>
+      <p:sp>
+        <p:nvSpPr>
+          <p:cNvPr id="3" name="Notes Placeholder 2"/>
+          <p:cNvSpPr>
+            <a:spLocks noGrp="1"/>
+          </p:cNvSpPr>
+          <p:nvPr>
+            <p:ph type="body" idx="1"/>
+          </p:nvPr>
+        </p:nvSpPr>
+        <p:spPr/>
+        <p:txBody>
+          <a:bodyPr/>
+          <a:lstStyle/>
+          <a:p>
+            <a:r>
+              <a:rPr lang="en-US" dirty="0" err="1"/>
+              <a:t>Mnogo</a:t>
+            </a:r>
+            <a:r>
+              <a:rPr lang="en-US" dirty="0"/>
+              <a:t> </a:t>
+            </a:r>
+            <a:r>
+              <a:rPr lang="en-US" dirty="0" err="1"/>
+              <a:t>poruka</a:t>
+            </a:r>
+            <a:endParaRPr lang="en-US" dirty="0"/>
+          </a:p>
+        </p:txBody>
+      </p:sp>
+      <p:sp>
+        <p:nvSpPr>
+          <p:cNvPr id="4" name="Slide Number Placeholder 3"/>
+          <p:cNvSpPr>
+            <a:spLocks noGrp="1"/>
+          </p:cNvSpPr>
+          <p:nvPr>
+            <p:ph type="sldNum" sz="quarter" idx="5"/>
+          </p:nvPr>
+        </p:nvSpPr>
+        <p:spPr/>
+        <p:txBody>
+          <a:bodyPr/>
+          <a:lstStyle/>
+          <a:p>
+            <a:fld id="{A4C5B70F-55C8-4301-8AC5-47F8CE76EC3B}" type="slidenum">
+              <a:rPr lang="sr-Latn-RS" smtClean="0"/>
+              <a:t>42</a:t>
+            </a:fld>
+            <a:endParaRPr lang="sr-Latn-RS"/>
+          </a:p>
+        </p:txBody>
+      </p:sp>
+    </p:spTree>
+    <p:extLst>
+      <p:ext uri="{BB962C8B-B14F-4D97-AF65-F5344CB8AC3E}">
+        <p14:creationId xmlns:p14="http://schemas.microsoft.com/office/powerpoint/2010/main" val="1520356830"/>
+      </p:ext>
+    </p:extLst>
+  </p:cSld>
+  <p:clrMapOvr>
+    <a:masterClrMapping/>
+  </p:clrMapOvr>
+</p:notes>
+</file>
+
+<file path=ppt/notesSlides/notesSlide16.xml><?xml version="1.0" encoding="utf-8"?>
+<p:notes xmlns:a="http://schemas.openxmlformats.org/drawingml/2006/main" xmlns:r="http://schemas.openxmlformats.org/officeDocument/2006/relationships" xmlns:p="http://schemas.openxmlformats.org/presentationml/2006/main">
+  <p:cSld>
+    <p:spTree>
+      <p:nvGrpSpPr>
+        <p:cNvPr id="1" name=""/>
+        <p:cNvGrpSpPr/>
+        <p:nvPr/>
+      </p:nvGrpSpPr>
+      <p:grpSpPr>
+        <a:xfrm>
+          <a:off x="0" y="0"/>
+          <a:ext cx="0" cy="0"/>
+          <a:chOff x="0" y="0"/>
+          <a:chExt cx="0" cy="0"/>
+        </a:xfrm>
+      </p:grpSpPr>
+      <p:sp>
+        <p:nvSpPr>
+          <p:cNvPr id="2" name="Slide Image Placeholder 1"/>
+          <p:cNvSpPr>
+            <a:spLocks noGrp="1" noRot="1" noChangeAspect="1"/>
+          </p:cNvSpPr>
+          <p:nvPr>
+            <p:ph type="sldImg"/>
+          </p:nvPr>
+        </p:nvSpPr>
+        <p:spPr/>
+      </p:sp>
+      <p:sp>
+        <p:nvSpPr>
+          <p:cNvPr id="3" name="Notes Placeholder 2"/>
+          <p:cNvSpPr>
+            <a:spLocks noGrp="1"/>
+          </p:cNvSpPr>
+          <p:nvPr>
+            <p:ph type="body" idx="1"/>
+          </p:nvPr>
+        </p:nvSpPr>
+        <p:spPr/>
+        <p:txBody>
+          <a:bodyPr/>
+          <a:lstStyle/>
+          <a:p>
+            <a:r>
+              <a:rPr lang="en-US" dirty="0" err="1"/>
+              <a:t>Mnogo</a:t>
+            </a:r>
+            <a:r>
+              <a:rPr lang="en-US" dirty="0"/>
+              <a:t> </a:t>
+            </a:r>
+            <a:r>
+              <a:rPr lang="en-US" dirty="0" err="1"/>
+              <a:t>protoka</a:t>
+            </a:r>
+            <a:endParaRPr lang="en-US" dirty="0"/>
+          </a:p>
+          <a:p>
+            <a:r>
+              <a:rPr lang="en-US" i="1" u="sng" dirty="0" err="1"/>
+              <a:t>Sl</a:t>
+            </a:r>
+            <a:r>
+              <a:rPr lang="en-US" i="1" u="sng" dirty="0"/>
+              <a:t> </a:t>
+            </a:r>
+            <a:r>
+              <a:rPr lang="en-US" i="1" u="sng" dirty="0" err="1"/>
+              <a:t>slajd</a:t>
+            </a:r>
+            <a:r>
+              <a:rPr lang="en-US" i="1" u="sng" dirty="0"/>
+              <a:t> </a:t>
+            </a:r>
+            <a:r>
+              <a:rPr lang="en-US" i="1" u="sng" dirty="0" err="1"/>
+              <a:t>jos</a:t>
+            </a:r>
+            <a:r>
+              <a:rPr lang="en-US" i="1" u="sng" dirty="0"/>
+              <a:t> </a:t>
+            </a:r>
+            <a:r>
+              <a:rPr lang="en-US" i="1" u="sng" dirty="0" err="1"/>
+              <a:t>grafika</a:t>
+            </a:r>
+            <a:r>
+              <a:rPr lang="en-US" i="1" u="sng" dirty="0"/>
+              <a:t>…</a:t>
+            </a:r>
+            <a:endParaRPr lang="en-US" dirty="0"/>
+          </a:p>
+        </p:txBody>
+      </p:sp>
+      <p:sp>
+        <p:nvSpPr>
+          <p:cNvPr id="4" name="Slide Number Placeholder 3"/>
+          <p:cNvSpPr>
+            <a:spLocks noGrp="1"/>
+          </p:cNvSpPr>
+          <p:nvPr>
+            <p:ph type="sldNum" sz="quarter" idx="5"/>
+          </p:nvPr>
+        </p:nvSpPr>
+        <p:spPr/>
+        <p:txBody>
+          <a:bodyPr/>
+          <a:lstStyle/>
+          <a:p>
+            <a:fld id="{A4C5B70F-55C8-4301-8AC5-47F8CE76EC3B}" type="slidenum">
+              <a:rPr lang="sr-Latn-RS" smtClean="0"/>
+              <a:t>43</a:t>
+            </a:fld>
+            <a:endParaRPr lang="sr-Latn-RS"/>
+          </a:p>
+        </p:txBody>
+      </p:sp>
+    </p:spTree>
+    <p:extLst>
+      <p:ext uri="{BB962C8B-B14F-4D97-AF65-F5344CB8AC3E}">
+        <p14:creationId xmlns:p14="http://schemas.microsoft.com/office/powerpoint/2010/main" val="1640775160"/>
+      </p:ext>
+    </p:extLst>
+  </p:cSld>
+  <p:clrMapOvr>
+    <a:masterClrMapping/>
+  </p:clrMapOvr>
+</p:notes>
+</file>
+
+<file path=ppt/notesSlides/notesSlide17.xml><?xml version="1.0" encoding="utf-8"?>
+<p:notes xmlns:a="http://schemas.openxmlformats.org/drawingml/2006/main" xmlns:r="http://schemas.openxmlformats.org/officeDocument/2006/relationships" xmlns:p="http://schemas.openxmlformats.org/presentationml/2006/main">
+  <p:cSld>
+    <p:spTree>
+      <p:nvGrpSpPr>
+        <p:cNvPr id="1" name=""/>
+        <p:cNvGrpSpPr/>
+        <p:nvPr/>
+      </p:nvGrpSpPr>
+      <p:grpSpPr>
+        <a:xfrm>
+          <a:off x="0" y="0"/>
+          <a:ext cx="0" cy="0"/>
+          <a:chOff x="0" y="0"/>
+          <a:chExt cx="0" cy="0"/>
+        </a:xfrm>
+      </p:grpSpPr>
+      <p:sp>
+        <p:nvSpPr>
+          <p:cNvPr id="2" name="Slide Image Placeholder 1"/>
+          <p:cNvSpPr>
+            <a:spLocks noGrp="1" noRot="1" noChangeAspect="1"/>
+          </p:cNvSpPr>
+          <p:nvPr>
+            <p:ph type="sldImg"/>
+          </p:nvPr>
+        </p:nvSpPr>
+        <p:spPr/>
+      </p:sp>
+      <p:sp>
+        <p:nvSpPr>
+          <p:cNvPr id="3" name="Notes Placeholder 2"/>
+          <p:cNvSpPr>
+            <a:spLocks noGrp="1"/>
+          </p:cNvSpPr>
+          <p:nvPr>
+            <p:ph type="body" idx="1"/>
+          </p:nvPr>
+        </p:nvSpPr>
+        <p:spPr/>
+        <p:txBody>
+          <a:bodyPr/>
+          <a:lstStyle/>
+          <a:p>
+            <a:endParaRPr lang="en-US" dirty="0"/>
+          </a:p>
+        </p:txBody>
+      </p:sp>
+      <p:sp>
+        <p:nvSpPr>
+          <p:cNvPr id="4" name="Slide Number Placeholder 3"/>
+          <p:cNvSpPr>
+            <a:spLocks noGrp="1"/>
+          </p:cNvSpPr>
+          <p:nvPr>
+            <p:ph type="sldNum" sz="quarter" idx="5"/>
+          </p:nvPr>
+        </p:nvSpPr>
+        <p:spPr/>
+        <p:txBody>
+          <a:bodyPr/>
+          <a:lstStyle/>
+          <a:p>
+            <a:fld id="{A4C5B70F-55C8-4301-8AC5-47F8CE76EC3B}" type="slidenum">
+              <a:rPr lang="sr-Latn-RS" smtClean="0"/>
+              <a:t>44</a:t>
+            </a:fld>
+            <a:endParaRPr lang="sr-Latn-RS"/>
+          </a:p>
+        </p:txBody>
+      </p:sp>
+    </p:spTree>
+    <p:extLst>
+      <p:ext uri="{BB962C8B-B14F-4D97-AF65-F5344CB8AC3E}">
+        <p14:creationId xmlns:p14="http://schemas.microsoft.com/office/powerpoint/2010/main" val="3200290897"/>
+      </p:ext>
+    </p:extLst>
+  </p:cSld>
+  <p:clrMapOvr>
+    <a:masterClrMapping/>
+  </p:clrMapOvr>
+</p:notes>
+</file>
+
+<file path=ppt/notesSlides/notesSlide18.xml><?xml version="1.0" encoding="utf-8"?>
+<p:notes xmlns:a="http://schemas.openxmlformats.org/drawingml/2006/main" xmlns:r="http://schemas.openxmlformats.org/officeDocument/2006/relationships" xmlns:p="http://schemas.openxmlformats.org/presentationml/2006/main">
+  <p:cSld>
+    <p:spTree>
+      <p:nvGrpSpPr>
+        <p:cNvPr id="1" name=""/>
+        <p:cNvGrpSpPr/>
+        <p:nvPr/>
+      </p:nvGrpSpPr>
+      <p:grpSpPr>
+        <a:xfrm>
+          <a:off x="0" y="0"/>
+          <a:ext cx="0" cy="0"/>
+          <a:chOff x="0" y="0"/>
+          <a:chExt cx="0" cy="0"/>
+        </a:xfrm>
+      </p:grpSpPr>
+      <p:sp>
+        <p:nvSpPr>
+          <p:cNvPr id="2" name="Slide Image Placeholder 1"/>
+          <p:cNvSpPr>
+            <a:spLocks noGrp="1" noRot="1" noChangeAspect="1"/>
+          </p:cNvSpPr>
+          <p:nvPr>
+            <p:ph type="sldImg"/>
+          </p:nvPr>
+        </p:nvSpPr>
+        <p:spPr/>
+      </p:sp>
+      <p:sp>
+        <p:nvSpPr>
+          <p:cNvPr id="3" name="Notes Placeholder 2"/>
+          <p:cNvSpPr>
+            <a:spLocks noGrp="1"/>
+          </p:cNvSpPr>
+          <p:nvPr>
+            <p:ph type="body" idx="1"/>
+          </p:nvPr>
+        </p:nvSpPr>
+        <p:spPr/>
+        <p:txBody>
+          <a:bodyPr/>
+          <a:lstStyle/>
+          <a:p>
+            <a:r>
+              <a:rPr lang="en-US" i="0" u="none" dirty="0"/>
+              <a:t>FAIL</a:t>
+            </a:r>
+          </a:p>
+        </p:txBody>
+      </p:sp>
+      <p:sp>
+        <p:nvSpPr>
+          <p:cNvPr id="4" name="Slide Number Placeholder 3"/>
+          <p:cNvSpPr>
+            <a:spLocks noGrp="1"/>
+          </p:cNvSpPr>
+          <p:nvPr>
+            <p:ph type="sldNum" sz="quarter" idx="5"/>
+          </p:nvPr>
+        </p:nvSpPr>
+        <p:spPr/>
+        <p:txBody>
+          <a:bodyPr/>
+          <a:lstStyle/>
+          <a:p>
+            <a:fld id="{A4C5B70F-55C8-4301-8AC5-47F8CE76EC3B}" type="slidenum">
+              <a:rPr lang="sr-Latn-RS" smtClean="0"/>
+              <a:t>45</a:t>
+            </a:fld>
+            <a:endParaRPr lang="sr-Latn-RS"/>
+          </a:p>
+        </p:txBody>
+      </p:sp>
+    </p:spTree>
+    <p:extLst>
+      <p:ext uri="{BB962C8B-B14F-4D97-AF65-F5344CB8AC3E}">
+        <p14:creationId xmlns:p14="http://schemas.microsoft.com/office/powerpoint/2010/main" val="2578537725"/>
+      </p:ext>
+    </p:extLst>
+  </p:cSld>
+  <p:clrMapOvr>
+    <a:masterClrMapping/>
+  </p:clrMapOvr>
+</p:notes>
+</file>
+
+<file path=ppt/notesSlides/notesSlide19.xml><?xml version="1.0" encoding="utf-8"?>
+<p:notes xmlns:a="http://schemas.openxmlformats.org/drawingml/2006/main" xmlns:r="http://schemas.openxmlformats.org/officeDocument/2006/relationships" xmlns:p="http://schemas.openxmlformats.org/presentationml/2006/main">
+  <p:cSld>
+    <p:spTree>
+      <p:nvGrpSpPr>
+        <p:cNvPr id="1" name=""/>
+        <p:cNvGrpSpPr/>
+        <p:nvPr/>
+      </p:nvGrpSpPr>
+      <p:grpSpPr>
+        <a:xfrm>
+          <a:off x="0" y="0"/>
+          <a:ext cx="0" cy="0"/>
+          <a:chOff x="0" y="0"/>
+          <a:chExt cx="0" cy="0"/>
+        </a:xfrm>
+      </p:grpSpPr>
+      <p:sp>
+        <p:nvSpPr>
+          <p:cNvPr id="2" name="Slide Image Placeholder 1"/>
+          <p:cNvSpPr>
+            <a:spLocks noGrp="1" noRot="1" noChangeAspect="1"/>
+          </p:cNvSpPr>
+          <p:nvPr>
+            <p:ph type="sldImg"/>
+          </p:nvPr>
+        </p:nvSpPr>
+        <p:spPr/>
+      </p:sp>
+      <p:sp>
+        <p:nvSpPr>
+          <p:cNvPr id="3" name="Notes Placeholder 2"/>
+          <p:cNvSpPr>
+            <a:spLocks noGrp="1"/>
+          </p:cNvSpPr>
+          <p:nvPr>
+            <p:ph type="body" idx="1"/>
+          </p:nvPr>
+        </p:nvSpPr>
+        <p:spPr/>
+        <p:txBody>
+          <a:bodyPr/>
+          <a:lstStyle/>
+          <a:p>
+            <a:r>
+              <a:rPr lang="en-US" dirty="0"/>
+              <a:t>K</a:t>
+            </a:r>
+          </a:p>
+        </p:txBody>
+      </p:sp>
+      <p:sp>
+        <p:nvSpPr>
+          <p:cNvPr id="4" name="Slide Number Placeholder 3"/>
+          <p:cNvSpPr>
+            <a:spLocks noGrp="1"/>
+          </p:cNvSpPr>
+          <p:nvPr>
+            <p:ph type="sldNum" sz="quarter" idx="5"/>
+          </p:nvPr>
+        </p:nvSpPr>
+        <p:spPr/>
+        <p:txBody>
+          <a:bodyPr/>
+          <a:lstStyle/>
+          <a:p>
+            <a:fld id="{A4C5B70F-55C8-4301-8AC5-47F8CE76EC3B}" type="slidenum">
+              <a:rPr lang="sr-Latn-RS" smtClean="0"/>
+              <a:t>47</a:t>
+            </a:fld>
+            <a:endParaRPr lang="sr-Latn-RS"/>
+          </a:p>
+        </p:txBody>
+      </p:sp>
+    </p:spTree>
+    <p:extLst>
+      <p:ext uri="{BB962C8B-B14F-4D97-AF65-F5344CB8AC3E}">
+        <p14:creationId xmlns:p14="http://schemas.microsoft.com/office/powerpoint/2010/main" val="214989249"/>
+      </p:ext>
+    </p:extLst>
+  </p:cSld>
+  <p:clrMapOvr>
+    <a:masterClrMapping/>
+  </p:clrMapOvr>
+</p:notes>
+</file>
+
+<file path=ppt/notesSlides/notesSlide2.xml><?xml version="1.0" encoding="utf-8"?>
+<p:notes xmlns:a="http://schemas.openxmlformats.org/drawingml/2006/main" xmlns:r="http://schemas.openxmlformats.org/officeDocument/2006/relationships" xmlns:p="http://schemas.openxmlformats.org/presentationml/2006/main">
+  <p:cSld>
+    <p:spTree>
+      <p:nvGrpSpPr>
+        <p:cNvPr id="1" name=""/>
+        <p:cNvGrpSpPr/>
+        <p:nvPr/>
+      </p:nvGrpSpPr>
+      <p:grpSpPr>
+        <a:xfrm>
+          <a:off x="0" y="0"/>
+          <a:ext cx="0" cy="0"/>
+          <a:chOff x="0" y="0"/>
+          <a:chExt cx="0" cy="0"/>
+        </a:xfrm>
+      </p:grpSpPr>
+      <p:sp>
+        <p:nvSpPr>
+          <p:cNvPr id="2" name="Slide Image Placeholder 1"/>
+          <p:cNvSpPr>
+            <a:spLocks noGrp="1" noRot="1" noChangeAspect="1"/>
+          </p:cNvSpPr>
+          <p:nvPr>
+            <p:ph type="sldImg"/>
+          </p:nvPr>
+        </p:nvSpPr>
+        <p:spPr/>
+      </p:sp>
+      <p:sp>
+        <p:nvSpPr>
+          <p:cNvPr id="3" name="Notes Placeholder 2"/>
+          <p:cNvSpPr>
+            <a:spLocks noGrp="1"/>
+          </p:cNvSpPr>
+          <p:nvPr>
+            <p:ph type="body" idx="1"/>
+          </p:nvPr>
+        </p:nvSpPr>
+        <p:spPr/>
+        <p:txBody>
+          <a:bodyPr/>
+          <a:lstStyle/>
+          <a:p>
+            <a:r>
+              <a:rPr lang="en-US" dirty="0"/>
+              <a:t>- </a:t>
+            </a:r>
+            <a:r>
+              <a:rPr lang="en-US" dirty="0" err="1"/>
+              <a:t>Jedan</a:t>
+            </a:r>
+            <a:r>
+              <a:rPr lang="en-US" dirty="0"/>
+              <a:t> system | monolith -&gt; </a:t>
+            </a:r>
+            <a:r>
+              <a:rPr lang="en-US" dirty="0" err="1"/>
+              <a:t>neki</a:t>
+            </a:r>
+            <a:r>
+              <a:rPr lang="en-US" dirty="0"/>
+              <a:t> </a:t>
+            </a:r>
+            <a:r>
+              <a:rPr lang="en-US" dirty="0" err="1"/>
+              <a:t>pomocni</a:t>
+            </a:r>
+            <a:r>
+              <a:rPr lang="en-US" dirty="0"/>
+              <a:t> -&gt; </a:t>
+            </a:r>
+            <a:r>
+              <a:rPr lang="en-US" dirty="0" err="1"/>
+              <a:t>distribucija</a:t>
+            </a:r>
+            <a:r>
+              <a:rPr lang="en-US" dirty="0"/>
+              <a:t> </a:t>
+            </a:r>
+          </a:p>
+        </p:txBody>
+      </p:sp>
+      <p:sp>
+        <p:nvSpPr>
+          <p:cNvPr id="4" name="Slide Number Placeholder 3"/>
+          <p:cNvSpPr>
+            <a:spLocks noGrp="1"/>
+          </p:cNvSpPr>
+          <p:nvPr>
+            <p:ph type="sldNum" sz="quarter" idx="5"/>
+          </p:nvPr>
+        </p:nvSpPr>
+        <p:spPr/>
+        <p:txBody>
+          <a:bodyPr/>
+          <a:lstStyle/>
+          <a:p>
+            <a:fld id="{A4C5B70F-55C8-4301-8AC5-47F8CE76EC3B}" type="slidenum">
+              <a:rPr lang="sr-Latn-RS" smtClean="0"/>
+              <a:t>4</a:t>
+            </a:fld>
+            <a:endParaRPr lang="sr-Latn-RS"/>
+          </a:p>
+        </p:txBody>
+      </p:sp>
+    </p:spTree>
+    <p:extLst>
+      <p:ext uri="{BB962C8B-B14F-4D97-AF65-F5344CB8AC3E}">
+        <p14:creationId xmlns:p14="http://schemas.microsoft.com/office/powerpoint/2010/main" val="1729402959"/>
+      </p:ext>
+    </p:extLst>
+  </p:cSld>
+  <p:clrMapOvr>
+    <a:masterClrMapping/>
+  </p:clrMapOvr>
+</p:notes>
+</file>
+
+<file path=ppt/notesSlides/notesSlide20.xml><?xml version="1.0" encoding="utf-8"?>
+<p:notes xmlns:a="http://schemas.openxmlformats.org/drawingml/2006/main" xmlns:r="http://schemas.openxmlformats.org/officeDocument/2006/relationships" xmlns:p="http://schemas.openxmlformats.org/presentationml/2006/main">
+  <p:cSld>
+    <p:spTree>
+      <p:nvGrpSpPr>
+        <p:cNvPr id="1" name=""/>
+        <p:cNvGrpSpPr/>
+        <p:nvPr/>
+      </p:nvGrpSpPr>
+      <p:grpSpPr>
+        <a:xfrm>
+          <a:off x="0" y="0"/>
+          <a:ext cx="0" cy="0"/>
+          <a:chOff x="0" y="0"/>
+          <a:chExt cx="0" cy="0"/>
+        </a:xfrm>
+      </p:grpSpPr>
+      <p:sp>
+        <p:nvSpPr>
+          <p:cNvPr id="2" name="Slide Image Placeholder 1"/>
+          <p:cNvSpPr>
+            <a:spLocks noGrp="1" noRot="1" noChangeAspect="1"/>
+          </p:cNvSpPr>
+          <p:nvPr>
+            <p:ph type="sldImg"/>
+          </p:nvPr>
+        </p:nvSpPr>
+        <p:spPr/>
+      </p:sp>
+      <p:sp>
+        <p:nvSpPr>
+          <p:cNvPr id="3" name="Notes Placeholder 2"/>
+          <p:cNvSpPr>
+            <a:spLocks noGrp="1"/>
+          </p:cNvSpPr>
+          <p:nvPr>
+            <p:ph type="body" idx="1"/>
+          </p:nvPr>
+        </p:nvSpPr>
+        <p:spPr/>
+        <p:txBody>
+          <a:bodyPr/>
+          <a:lstStyle/>
+          <a:p>
+            <a:r>
+              <a:rPr lang="en-US" dirty="0"/>
+              <a:t>K</a:t>
+            </a:r>
+          </a:p>
+        </p:txBody>
+      </p:sp>
+      <p:sp>
+        <p:nvSpPr>
+          <p:cNvPr id="4" name="Slide Number Placeholder 3"/>
+          <p:cNvSpPr>
+            <a:spLocks noGrp="1"/>
+          </p:cNvSpPr>
+          <p:nvPr>
+            <p:ph type="sldNum" sz="quarter" idx="5"/>
+          </p:nvPr>
+        </p:nvSpPr>
+        <p:spPr/>
+        <p:txBody>
+          <a:bodyPr/>
+          <a:lstStyle/>
+          <a:p>
+            <a:fld id="{A4C5B70F-55C8-4301-8AC5-47F8CE76EC3B}" type="slidenum">
+              <a:rPr lang="sr-Latn-RS" smtClean="0"/>
+              <a:t>48</a:t>
+            </a:fld>
+            <a:endParaRPr lang="sr-Latn-RS"/>
+          </a:p>
+        </p:txBody>
+      </p:sp>
+    </p:spTree>
+    <p:extLst>
+      <p:ext uri="{BB962C8B-B14F-4D97-AF65-F5344CB8AC3E}">
+        <p14:creationId xmlns:p14="http://schemas.microsoft.com/office/powerpoint/2010/main" val="3419019080"/>
+      </p:ext>
+    </p:extLst>
+  </p:cSld>
+  <p:clrMapOvr>
+    <a:masterClrMapping/>
+  </p:clrMapOvr>
+</p:notes>
+</file>
+
+<file path=ppt/notesSlides/notesSlide21.xml><?xml version="1.0" encoding="utf-8"?>
+<p:notes xmlns:a="http://schemas.openxmlformats.org/drawingml/2006/main" xmlns:r="http://schemas.openxmlformats.org/officeDocument/2006/relationships" xmlns:p="http://schemas.openxmlformats.org/presentationml/2006/main">
+  <p:cSld>
+    <p:spTree>
+      <p:nvGrpSpPr>
+        <p:cNvPr id="1" name=""/>
+        <p:cNvGrpSpPr/>
+        <p:nvPr/>
+      </p:nvGrpSpPr>
+      <p:grpSpPr>
+        <a:xfrm>
+          <a:off x="0" y="0"/>
+          <a:ext cx="0" cy="0"/>
+          <a:chOff x="0" y="0"/>
+          <a:chExt cx="0" cy="0"/>
+        </a:xfrm>
+      </p:grpSpPr>
+      <p:sp>
+        <p:nvSpPr>
+          <p:cNvPr id="2" name="Slide Image Placeholder 1"/>
+          <p:cNvSpPr>
+            <a:spLocks noGrp="1" noRot="1" noChangeAspect="1"/>
+          </p:cNvSpPr>
+          <p:nvPr>
+            <p:ph type="sldImg"/>
+          </p:nvPr>
+        </p:nvSpPr>
+        <p:spPr/>
+      </p:sp>
+      <p:sp>
+        <p:nvSpPr>
+          <p:cNvPr id="3" name="Notes Placeholder 2"/>
+          <p:cNvSpPr>
+            <a:spLocks noGrp="1"/>
+          </p:cNvSpPr>
+          <p:nvPr>
+            <p:ph type="body" idx="1"/>
+          </p:nvPr>
+        </p:nvSpPr>
+        <p:spPr/>
+        <p:txBody>
+          <a:bodyPr/>
+          <a:lstStyle/>
+          <a:p>
+            <a:r>
+              <a:rPr lang="en-US" dirty="0"/>
+              <a:t>K</a:t>
+            </a:r>
+          </a:p>
+        </p:txBody>
+      </p:sp>
+      <p:sp>
+        <p:nvSpPr>
+          <p:cNvPr id="4" name="Slide Number Placeholder 3"/>
+          <p:cNvSpPr>
+            <a:spLocks noGrp="1"/>
+          </p:cNvSpPr>
+          <p:nvPr>
+            <p:ph type="sldNum" sz="quarter" idx="5"/>
+          </p:nvPr>
+        </p:nvSpPr>
+        <p:spPr/>
+        <p:txBody>
+          <a:bodyPr/>
+          <a:lstStyle/>
+          <a:p>
+            <a:fld id="{A4C5B70F-55C8-4301-8AC5-47F8CE76EC3B}" type="slidenum">
+              <a:rPr lang="sr-Latn-RS" smtClean="0"/>
+              <a:t>49</a:t>
+            </a:fld>
+            <a:endParaRPr lang="sr-Latn-RS"/>
+          </a:p>
+        </p:txBody>
+      </p:sp>
+    </p:spTree>
+    <p:extLst>
+      <p:ext uri="{BB962C8B-B14F-4D97-AF65-F5344CB8AC3E}">
+        <p14:creationId xmlns:p14="http://schemas.microsoft.com/office/powerpoint/2010/main" val="3465376299"/>
+      </p:ext>
+    </p:extLst>
+  </p:cSld>
+  <p:clrMapOvr>
+    <a:masterClrMapping/>
+  </p:clrMapOvr>
+</p:notes>
+</file>
+
+<file path=ppt/notesSlides/notesSlide22.xml><?xml version="1.0" encoding="utf-8"?>
+<p:notes xmlns:a="http://schemas.openxmlformats.org/drawingml/2006/main" xmlns:r="http://schemas.openxmlformats.org/officeDocument/2006/relationships" xmlns:p="http://schemas.openxmlformats.org/presentationml/2006/main">
+  <p:cSld>
+    <p:spTree>
+      <p:nvGrpSpPr>
+        <p:cNvPr id="1" name=""/>
+        <p:cNvGrpSpPr/>
+        <p:nvPr/>
+      </p:nvGrpSpPr>
+      <p:grpSpPr>
+        <a:xfrm>
+          <a:off x="0" y="0"/>
+          <a:ext cx="0" cy="0"/>
+          <a:chOff x="0" y="0"/>
+          <a:chExt cx="0" cy="0"/>
+        </a:xfrm>
+      </p:grpSpPr>
+      <p:sp>
+        <p:nvSpPr>
+          <p:cNvPr id="2" name="Slide Image Placeholder 1"/>
+          <p:cNvSpPr>
+            <a:spLocks noGrp="1" noRot="1" noChangeAspect="1"/>
+          </p:cNvSpPr>
+          <p:nvPr>
+            <p:ph type="sldImg"/>
+          </p:nvPr>
+        </p:nvSpPr>
+        <p:spPr/>
+      </p:sp>
+      <p:sp>
+        <p:nvSpPr>
+          <p:cNvPr id="3" name="Notes Placeholder 2"/>
+          <p:cNvSpPr>
+            <a:spLocks noGrp="1"/>
+          </p:cNvSpPr>
+          <p:nvPr>
+            <p:ph type="body" idx="1"/>
+          </p:nvPr>
+        </p:nvSpPr>
+        <p:spPr/>
+        <p:txBody>
+          <a:bodyPr/>
+          <a:lstStyle/>
+          <a:p>
+            <a:r>
+              <a:rPr lang="en-US" dirty="0"/>
+              <a:t>K</a:t>
+            </a:r>
+          </a:p>
+        </p:txBody>
+      </p:sp>
+      <p:sp>
+        <p:nvSpPr>
+          <p:cNvPr id="4" name="Slide Number Placeholder 3"/>
+          <p:cNvSpPr>
+            <a:spLocks noGrp="1"/>
+          </p:cNvSpPr>
+          <p:nvPr>
+            <p:ph type="sldNum" sz="quarter" idx="5"/>
+          </p:nvPr>
+        </p:nvSpPr>
+        <p:spPr/>
+        <p:txBody>
+          <a:bodyPr/>
+          <a:lstStyle/>
+          <a:p>
+            <a:fld id="{A4C5B70F-55C8-4301-8AC5-47F8CE76EC3B}" type="slidenum">
+              <a:rPr lang="sr-Latn-RS" smtClean="0"/>
+              <a:t>50</a:t>
+            </a:fld>
+            <a:endParaRPr lang="sr-Latn-RS"/>
+          </a:p>
+        </p:txBody>
+      </p:sp>
+    </p:spTree>
+    <p:extLst>
+      <p:ext uri="{BB962C8B-B14F-4D97-AF65-F5344CB8AC3E}">
+        <p14:creationId xmlns:p14="http://schemas.microsoft.com/office/powerpoint/2010/main" val="1503685245"/>
+      </p:ext>
+    </p:extLst>
+  </p:cSld>
+  <p:clrMapOvr>
+    <a:masterClrMapping/>
+  </p:clrMapOvr>
+</p:notes>
+</file>
+
+<file path=ppt/notesSlides/notesSlide23.xml><?xml version="1.0" encoding="utf-8"?>
+<p:notes xmlns:a="http://schemas.openxmlformats.org/drawingml/2006/main" xmlns:r="http://schemas.openxmlformats.org/officeDocument/2006/relationships" xmlns:p="http://schemas.openxmlformats.org/presentationml/2006/main">
+  <p:cSld>
+    <p:spTree>
+      <p:nvGrpSpPr>
+        <p:cNvPr id="1" name=""/>
+        <p:cNvGrpSpPr/>
+        <p:nvPr/>
+      </p:nvGrpSpPr>
+      <p:grpSpPr>
+        <a:xfrm>
+          <a:off x="0" y="0"/>
+          <a:ext cx="0" cy="0"/>
+          <a:chOff x="0" y="0"/>
+          <a:chExt cx="0" cy="0"/>
+        </a:xfrm>
+      </p:grpSpPr>
+      <p:sp>
+        <p:nvSpPr>
+          <p:cNvPr id="2" name="Slide Image Placeholder 1"/>
+          <p:cNvSpPr>
+            <a:spLocks noGrp="1" noRot="1" noChangeAspect="1"/>
+          </p:cNvSpPr>
+          <p:nvPr>
+            <p:ph type="sldImg"/>
+          </p:nvPr>
+        </p:nvSpPr>
+        <p:spPr/>
+      </p:sp>
+      <p:sp>
+        <p:nvSpPr>
+          <p:cNvPr id="3" name="Notes Placeholder 2"/>
+          <p:cNvSpPr>
+            <a:spLocks noGrp="1"/>
+          </p:cNvSpPr>
+          <p:nvPr>
+            <p:ph type="body" idx="1"/>
+          </p:nvPr>
+        </p:nvSpPr>
+        <p:spPr/>
+        <p:txBody>
+          <a:bodyPr/>
+          <a:lstStyle/>
+          <a:p>
+            <a:r>
+              <a:rPr lang="sr-Latn-RS" dirty="0"/>
+              <a:t>Jeste, za laptopu jednog studenta</a:t>
+            </a:r>
+            <a:endParaRPr lang="en-US" dirty="0"/>
+          </a:p>
+        </p:txBody>
+      </p:sp>
+      <p:sp>
+        <p:nvSpPr>
+          <p:cNvPr id="4" name="Slide Number Placeholder 3"/>
+          <p:cNvSpPr>
+            <a:spLocks noGrp="1"/>
+          </p:cNvSpPr>
+          <p:nvPr>
+            <p:ph type="sldNum" sz="quarter" idx="5"/>
+          </p:nvPr>
+        </p:nvSpPr>
+        <p:spPr/>
+        <p:txBody>
+          <a:bodyPr/>
+          <a:lstStyle/>
+          <a:p>
+            <a:fld id="{A4C5B70F-55C8-4301-8AC5-47F8CE76EC3B}" type="slidenum">
+              <a:rPr lang="sr-Latn-RS" smtClean="0"/>
+              <a:t>51</a:t>
+            </a:fld>
+            <a:endParaRPr lang="sr-Latn-RS"/>
+          </a:p>
+        </p:txBody>
+      </p:sp>
+    </p:spTree>
+    <p:extLst>
+      <p:ext uri="{BB962C8B-B14F-4D97-AF65-F5344CB8AC3E}">
+        <p14:creationId xmlns:p14="http://schemas.microsoft.com/office/powerpoint/2010/main" val="1089011228"/>
+      </p:ext>
+    </p:extLst>
+  </p:cSld>
+  <p:clrMapOvr>
+    <a:masterClrMapping/>
+  </p:clrMapOvr>
+</p:notes>
+</file>
+
+<file path=ppt/notesSlides/notesSlide24.xml><?xml version="1.0" encoding="utf-8"?>
+<p:notes xmlns:a="http://schemas.openxmlformats.org/drawingml/2006/main" xmlns:r="http://schemas.openxmlformats.org/officeDocument/2006/relationships" xmlns:p="http://schemas.openxmlformats.org/presentationml/2006/main">
+  <p:cSld>
+    <p:spTree>
+      <p:nvGrpSpPr>
+        <p:cNvPr id="1" name=""/>
+        <p:cNvGrpSpPr/>
+        <p:nvPr/>
+      </p:nvGrpSpPr>
+      <p:grpSpPr>
+        <a:xfrm>
+          <a:off x="0" y="0"/>
+          <a:ext cx="0" cy="0"/>
+          <a:chOff x="0" y="0"/>
+          <a:chExt cx="0" cy="0"/>
+        </a:xfrm>
+      </p:grpSpPr>
+      <p:sp>
+        <p:nvSpPr>
+          <p:cNvPr id="2" name="Slide Image Placeholder 1"/>
+          <p:cNvSpPr>
+            <a:spLocks noGrp="1" noRot="1" noChangeAspect="1"/>
+          </p:cNvSpPr>
+          <p:nvPr>
+            <p:ph type="sldImg"/>
+          </p:nvPr>
+        </p:nvSpPr>
+        <p:spPr/>
+      </p:sp>
+      <p:sp>
+        <p:nvSpPr>
+          <p:cNvPr id="3" name="Notes Placeholder 2"/>
+          <p:cNvSpPr>
+            <a:spLocks noGrp="1"/>
+          </p:cNvSpPr>
+          <p:nvPr>
+            <p:ph type="body" idx="1"/>
+          </p:nvPr>
+        </p:nvSpPr>
+        <p:spPr/>
+        <p:txBody>
+          <a:bodyPr/>
+          <a:lstStyle/>
+          <a:p>
+            <a:r>
+              <a:rPr lang="sr-Latn-RS" dirty="0"/>
+              <a:t>Pokazali smo </a:t>
+            </a:r>
+            <a:r>
+              <a:rPr lang="sr-Latn-RS" dirty="0" err="1"/>
+              <a:t>sta</a:t>
+            </a:r>
+            <a:r>
+              <a:rPr lang="sr-Latn-RS" dirty="0"/>
+              <a:t> smo kako se </a:t>
+            </a:r>
+            <a:r>
+              <a:rPr lang="sr-Latn-RS" dirty="0" err="1"/>
+              <a:t>ponasaju</a:t>
+            </a:r>
+            <a:endParaRPr lang="sr-Latn-RS" dirty="0"/>
+          </a:p>
+          <a:p>
+            <a:r>
+              <a:rPr lang="sr-Latn-RS" dirty="0"/>
+              <a:t>I razvili smo test aplikaciju</a:t>
+            </a:r>
+            <a:endParaRPr lang="en-US" dirty="0"/>
+          </a:p>
+        </p:txBody>
+      </p:sp>
+      <p:sp>
+        <p:nvSpPr>
+          <p:cNvPr id="4" name="Slide Number Placeholder 3"/>
+          <p:cNvSpPr>
+            <a:spLocks noGrp="1"/>
+          </p:cNvSpPr>
+          <p:nvPr>
+            <p:ph type="sldNum" sz="quarter" idx="5"/>
+          </p:nvPr>
+        </p:nvSpPr>
+        <p:spPr/>
+        <p:txBody>
+          <a:bodyPr/>
+          <a:lstStyle/>
+          <a:p>
+            <a:fld id="{A4C5B70F-55C8-4301-8AC5-47F8CE76EC3B}" type="slidenum">
+              <a:rPr lang="sr-Latn-RS" smtClean="0"/>
+              <a:t>52</a:t>
+            </a:fld>
+            <a:endParaRPr lang="sr-Latn-RS"/>
+          </a:p>
+        </p:txBody>
+      </p:sp>
+    </p:spTree>
+    <p:extLst>
+      <p:ext uri="{BB962C8B-B14F-4D97-AF65-F5344CB8AC3E}">
+        <p14:creationId xmlns:p14="http://schemas.microsoft.com/office/powerpoint/2010/main" val="129279353"/>
+      </p:ext>
+    </p:extLst>
+  </p:cSld>
+  <p:clrMapOvr>
+    <a:masterClrMapping/>
+  </p:clrMapOvr>
+</p:notes>
+</file>
+
+<file path=ppt/notesSlides/notesSlide3.xml><?xml version="1.0" encoding="utf-8"?>
+<p:notes xmlns:a="http://schemas.openxmlformats.org/drawingml/2006/main" xmlns:r="http://schemas.openxmlformats.org/officeDocument/2006/relationships" xmlns:p="http://schemas.openxmlformats.org/presentationml/2006/main">
+  <p:cSld>
+    <p:spTree>
+      <p:nvGrpSpPr>
+        <p:cNvPr id="1" name=""/>
+        <p:cNvGrpSpPr/>
+        <p:nvPr/>
+      </p:nvGrpSpPr>
+      <p:grpSpPr>
+        <a:xfrm>
+          <a:off x="0" y="0"/>
+          <a:ext cx="0" cy="0"/>
+          <a:chOff x="0" y="0"/>
+          <a:chExt cx="0" cy="0"/>
+        </a:xfrm>
+      </p:grpSpPr>
+      <p:sp>
+        <p:nvSpPr>
+          <p:cNvPr id="2" name="Slide Image Placeholder 1"/>
+          <p:cNvSpPr>
+            <a:spLocks noGrp="1" noRot="1" noChangeAspect="1"/>
+          </p:cNvSpPr>
+          <p:nvPr>
+            <p:ph type="sldImg"/>
+          </p:nvPr>
+        </p:nvSpPr>
+        <p:spPr/>
+      </p:sp>
+      <p:sp>
+        <p:nvSpPr>
+          <p:cNvPr id="3" name="Notes Placeholder 2"/>
+          <p:cNvSpPr>
+            <a:spLocks noGrp="1"/>
+          </p:cNvSpPr>
+          <p:nvPr>
+            <p:ph type="body" idx="1"/>
+          </p:nvPr>
+        </p:nvSpPr>
+        <p:spPr/>
+        <p:txBody>
+          <a:bodyPr/>
+          <a:lstStyle/>
+          <a:p>
+            <a:r>
+              <a:rPr lang="en-US" dirty="0" err="1"/>
+              <a:t>Delovi</a:t>
+            </a:r>
+            <a:r>
+              <a:rPr lang="en-US" dirty="0"/>
+              <a:t> sis </a:t>
+            </a:r>
+            <a:r>
+              <a:rPr lang="en-US" dirty="0" err="1"/>
+              <a:t>moraju</a:t>
+            </a:r>
+            <a:r>
+              <a:rPr lang="en-US" dirty="0"/>
+              <a:t> </a:t>
+            </a:r>
+            <a:r>
+              <a:rPr lang="en-US" dirty="0" err="1"/>
+              <a:t>razmedjivati</a:t>
+            </a:r>
+            <a:r>
+              <a:rPr lang="en-US" dirty="0"/>
+              <a:t> </a:t>
+            </a:r>
+            <a:r>
+              <a:rPr lang="en-US" dirty="0" err="1"/>
+              <a:t>informacije</a:t>
+            </a:r>
+            <a:r>
+              <a:rPr lang="en-US" dirty="0"/>
+              <a:t>…</a:t>
+            </a:r>
+          </a:p>
+        </p:txBody>
+      </p:sp>
+      <p:sp>
+        <p:nvSpPr>
+          <p:cNvPr id="4" name="Slide Number Placeholder 3"/>
+          <p:cNvSpPr>
+            <a:spLocks noGrp="1"/>
+          </p:cNvSpPr>
+          <p:nvPr>
+            <p:ph type="sldNum" sz="quarter" idx="5"/>
+          </p:nvPr>
+        </p:nvSpPr>
+        <p:spPr/>
+        <p:txBody>
+          <a:bodyPr/>
+          <a:lstStyle/>
+          <a:p>
+            <a:fld id="{A4C5B70F-55C8-4301-8AC5-47F8CE76EC3B}" type="slidenum">
+              <a:rPr lang="sr-Latn-RS" smtClean="0"/>
+              <a:t>5</a:t>
+            </a:fld>
+            <a:endParaRPr lang="sr-Latn-RS"/>
+          </a:p>
+        </p:txBody>
+      </p:sp>
+    </p:spTree>
+    <p:extLst>
+      <p:ext uri="{BB962C8B-B14F-4D97-AF65-F5344CB8AC3E}">
+        <p14:creationId xmlns:p14="http://schemas.microsoft.com/office/powerpoint/2010/main" val="3304423719"/>
+      </p:ext>
+    </p:extLst>
+  </p:cSld>
+  <p:clrMapOvr>
+    <a:masterClrMapping/>
+  </p:clrMapOvr>
+</p:notes>
+</file>
+
+<file path=ppt/notesSlides/notesSlide4.xml><?xml version="1.0" encoding="utf-8"?>
+<p:notes xmlns:a="http://schemas.openxmlformats.org/drawingml/2006/main" xmlns:r="http://schemas.openxmlformats.org/officeDocument/2006/relationships" xmlns:p="http://schemas.openxmlformats.org/presentationml/2006/main">
+  <p:cSld>
+    <p:spTree>
+      <p:nvGrpSpPr>
+        <p:cNvPr id="1" name=""/>
+        <p:cNvGrpSpPr/>
+        <p:nvPr/>
+      </p:nvGrpSpPr>
+      <p:grpSpPr>
+        <a:xfrm>
+          <a:off x="0" y="0"/>
+          <a:ext cx="0" cy="0"/>
+          <a:chOff x="0" y="0"/>
+          <a:chExt cx="0" cy="0"/>
+        </a:xfrm>
+      </p:grpSpPr>
+      <p:sp>
+        <p:nvSpPr>
+          <p:cNvPr id="2" name="Slide Image Placeholder 1"/>
+          <p:cNvSpPr>
+            <a:spLocks noGrp="1" noRot="1" noChangeAspect="1"/>
+          </p:cNvSpPr>
+          <p:nvPr>
+            <p:ph type="sldImg"/>
+          </p:nvPr>
+        </p:nvSpPr>
+        <p:spPr/>
+      </p:sp>
+      <p:sp>
+        <p:nvSpPr>
+          <p:cNvPr id="3" name="Notes Placeholder 2"/>
+          <p:cNvSpPr>
+            <a:spLocks noGrp="1"/>
+          </p:cNvSpPr>
+          <p:nvPr>
+            <p:ph type="body" idx="1"/>
+          </p:nvPr>
+        </p:nvSpPr>
+        <p:spPr/>
+        <p:txBody>
+          <a:bodyPr/>
+          <a:lstStyle/>
+          <a:p>
+            <a:r>
+              <a:rPr lang="en-US" dirty="0"/>
+              <a:t>Tip </a:t>
+            </a:r>
+            <a:r>
+              <a:rPr lang="en-US" dirty="0" err="1"/>
+              <a:t>komunikacije</a:t>
+            </a:r>
+            <a:endParaRPr lang="en-US" dirty="0"/>
+          </a:p>
+          <a:p>
+            <a:r>
+              <a:rPr lang="en-US" dirty="0" err="1"/>
+              <a:t>Poruka</a:t>
+            </a:r>
+            <a:r>
+              <a:rPr lang="en-US" dirty="0"/>
+              <a:t> </a:t>
+            </a:r>
+            <a:r>
+              <a:rPr lang="en-US" dirty="0" err="1"/>
+              <a:t>kljucka</a:t>
+            </a:r>
+            <a:endParaRPr lang="en-US" dirty="0"/>
+          </a:p>
+        </p:txBody>
+      </p:sp>
+      <p:sp>
+        <p:nvSpPr>
+          <p:cNvPr id="4" name="Slide Number Placeholder 3"/>
+          <p:cNvSpPr>
+            <a:spLocks noGrp="1"/>
+          </p:cNvSpPr>
+          <p:nvPr>
+            <p:ph type="sldNum" sz="quarter" idx="5"/>
+          </p:nvPr>
+        </p:nvSpPr>
+        <p:spPr/>
+        <p:txBody>
+          <a:bodyPr/>
+          <a:lstStyle/>
+          <a:p>
+            <a:fld id="{A4C5B70F-55C8-4301-8AC5-47F8CE76EC3B}" type="slidenum">
+              <a:rPr lang="sr-Latn-RS" smtClean="0"/>
+              <a:t>6</a:t>
+            </a:fld>
+            <a:endParaRPr lang="sr-Latn-RS"/>
+          </a:p>
+        </p:txBody>
+      </p:sp>
+    </p:spTree>
+    <p:extLst>
+      <p:ext uri="{BB962C8B-B14F-4D97-AF65-F5344CB8AC3E}">
+        <p14:creationId xmlns:p14="http://schemas.microsoft.com/office/powerpoint/2010/main" val="1853706456"/>
+      </p:ext>
+    </p:extLst>
+  </p:cSld>
+  <p:clrMapOvr>
+    <a:masterClrMapping/>
+  </p:clrMapOvr>
+</p:notes>
+</file>
+
+<file path=ppt/notesSlides/notesSlide5.xml><?xml version="1.0" encoding="utf-8"?>
+<p:notes xmlns:a="http://schemas.openxmlformats.org/drawingml/2006/main" xmlns:r="http://schemas.openxmlformats.org/officeDocument/2006/relationships" xmlns:p="http://schemas.openxmlformats.org/presentationml/2006/main">
+  <p:cSld>
+    <p:spTree>
+      <p:nvGrpSpPr>
+        <p:cNvPr id="1" name=""/>
+        <p:cNvGrpSpPr/>
+        <p:nvPr/>
+      </p:nvGrpSpPr>
+      <p:grpSpPr>
+        <a:xfrm>
+          <a:off x="0" y="0"/>
+          <a:ext cx="0" cy="0"/>
+          <a:chOff x="0" y="0"/>
+          <a:chExt cx="0" cy="0"/>
+        </a:xfrm>
+      </p:grpSpPr>
+      <p:sp>
+        <p:nvSpPr>
+          <p:cNvPr id="2" name="Slide Image Placeholder 1"/>
+          <p:cNvSpPr>
+            <a:spLocks noGrp="1" noRot="1" noChangeAspect="1"/>
+          </p:cNvSpPr>
+          <p:nvPr>
+            <p:ph type="sldImg"/>
+          </p:nvPr>
+        </p:nvSpPr>
+        <p:spPr/>
+      </p:sp>
+      <p:sp>
+        <p:nvSpPr>
+          <p:cNvPr id="3" name="Notes Placeholder 2"/>
+          <p:cNvSpPr>
+            <a:spLocks noGrp="1"/>
+          </p:cNvSpPr>
+          <p:nvPr>
+            <p:ph type="body" idx="1"/>
+          </p:nvPr>
+        </p:nvSpPr>
+        <p:spPr/>
+        <p:txBody>
+          <a:bodyPr/>
+          <a:lstStyle/>
+          <a:p>
+            <a:r>
+              <a:rPr lang="en-US" b="1" dirty="0"/>
+              <a:t>B R O K E R</a:t>
+            </a:r>
+          </a:p>
+          <a:p>
+            <a:r>
+              <a:rPr lang="en-US" dirty="0"/>
+              <a:t>Monolith &gt;&gt; microservice &gt;&gt; message oriented</a:t>
+            </a:r>
+          </a:p>
+        </p:txBody>
+      </p:sp>
+      <p:sp>
+        <p:nvSpPr>
+          <p:cNvPr id="4" name="Slide Number Placeholder 3"/>
+          <p:cNvSpPr>
+            <a:spLocks noGrp="1"/>
+          </p:cNvSpPr>
+          <p:nvPr>
+            <p:ph type="sldNum" sz="quarter" idx="5"/>
+          </p:nvPr>
+        </p:nvSpPr>
+        <p:spPr/>
+        <p:txBody>
+          <a:bodyPr/>
+          <a:lstStyle/>
+          <a:p>
+            <a:fld id="{A4C5B70F-55C8-4301-8AC5-47F8CE76EC3B}" type="slidenum">
+              <a:rPr lang="sr-Latn-RS" smtClean="0"/>
+              <a:t>7</a:t>
+            </a:fld>
+            <a:endParaRPr lang="sr-Latn-RS"/>
+          </a:p>
+        </p:txBody>
+      </p:sp>
+    </p:spTree>
+    <p:extLst>
+      <p:ext uri="{BB962C8B-B14F-4D97-AF65-F5344CB8AC3E}">
+        <p14:creationId xmlns:p14="http://schemas.microsoft.com/office/powerpoint/2010/main" val="3802841133"/>
+      </p:ext>
+    </p:extLst>
+  </p:cSld>
+  <p:clrMapOvr>
+    <a:masterClrMapping/>
+  </p:clrMapOvr>
+</p:notes>
+</file>
+
+<file path=ppt/notesSlides/notesSlide6.xml><?xml version="1.0" encoding="utf-8"?>
+<p:notes xmlns:a="http://schemas.openxmlformats.org/drawingml/2006/main" xmlns:r="http://schemas.openxmlformats.org/officeDocument/2006/relationships" xmlns:p="http://schemas.openxmlformats.org/presentationml/2006/main">
+  <p:cSld>
+    <p:spTree>
+      <p:nvGrpSpPr>
+        <p:cNvPr id="1" name=""/>
+        <p:cNvGrpSpPr/>
+        <p:nvPr/>
+      </p:nvGrpSpPr>
+      <p:grpSpPr>
+        <a:xfrm>
+          <a:off x="0" y="0"/>
+          <a:ext cx="0" cy="0"/>
+          <a:chOff x="0" y="0"/>
+          <a:chExt cx="0" cy="0"/>
+        </a:xfrm>
+      </p:grpSpPr>
+      <p:sp>
+        <p:nvSpPr>
+          <p:cNvPr id="2" name="Slide Image Placeholder 1"/>
+          <p:cNvSpPr>
+            <a:spLocks noGrp="1" noRot="1" noChangeAspect="1"/>
+          </p:cNvSpPr>
+          <p:nvPr>
+            <p:ph type="sldImg"/>
+          </p:nvPr>
+        </p:nvSpPr>
+        <p:spPr/>
+      </p:sp>
+      <p:sp>
+        <p:nvSpPr>
+          <p:cNvPr id="3" name="Notes Placeholder 2"/>
+          <p:cNvSpPr>
+            <a:spLocks noGrp="1"/>
+          </p:cNvSpPr>
+          <p:nvPr>
+            <p:ph type="body" idx="1"/>
+          </p:nvPr>
+        </p:nvSpPr>
+        <p:spPr/>
+        <p:txBody>
+          <a:bodyPr/>
+          <a:lstStyle/>
+          <a:p>
+            <a:r>
+              <a:rPr lang="en-US" dirty="0" err="1"/>
+              <a:t>Objasni</a:t>
+            </a:r>
+            <a:r>
+              <a:rPr lang="en-US" dirty="0"/>
+              <a:t> publish-subscribe</a:t>
+            </a:r>
+            <a:endParaRPr lang="sr-Latn-RS" dirty="0"/>
+          </a:p>
+          <a:p>
+            <a:r>
+              <a:rPr lang="sr-Latn-RS" dirty="0"/>
+              <a:t>Broker centralna raskrsnica</a:t>
+            </a:r>
+            <a:endParaRPr lang="en-US" dirty="0"/>
+          </a:p>
+        </p:txBody>
+      </p:sp>
+      <p:sp>
+        <p:nvSpPr>
+          <p:cNvPr id="4" name="Slide Number Placeholder 3"/>
+          <p:cNvSpPr>
+            <a:spLocks noGrp="1"/>
+          </p:cNvSpPr>
+          <p:nvPr>
+            <p:ph type="sldNum" sz="quarter" idx="5"/>
+          </p:nvPr>
+        </p:nvSpPr>
+        <p:spPr/>
+        <p:txBody>
+          <a:bodyPr/>
+          <a:lstStyle/>
+          <a:p>
+            <a:fld id="{A4C5B70F-55C8-4301-8AC5-47F8CE76EC3B}" type="slidenum">
+              <a:rPr lang="sr-Latn-RS" smtClean="0"/>
+              <a:t>8</a:t>
+            </a:fld>
+            <a:endParaRPr lang="sr-Latn-RS"/>
+          </a:p>
+        </p:txBody>
+      </p:sp>
+    </p:spTree>
+    <p:extLst>
+      <p:ext uri="{BB962C8B-B14F-4D97-AF65-F5344CB8AC3E}">
+        <p14:creationId xmlns:p14="http://schemas.microsoft.com/office/powerpoint/2010/main" val="1943864185"/>
+      </p:ext>
+    </p:extLst>
+  </p:cSld>
+  <p:clrMapOvr>
+    <a:masterClrMapping/>
+  </p:clrMapOvr>
+</p:notes>
+</file>
+
+<file path=ppt/notesSlides/notesSlide7.xml><?xml version="1.0" encoding="utf-8"?>
+<p:notes xmlns:a="http://schemas.openxmlformats.org/drawingml/2006/main" xmlns:r="http://schemas.openxmlformats.org/officeDocument/2006/relationships" xmlns:p="http://schemas.openxmlformats.org/presentationml/2006/main">
+  <p:cSld>
+    <p:spTree>
+      <p:nvGrpSpPr>
+        <p:cNvPr id="1" name=""/>
+        <p:cNvGrpSpPr/>
+        <p:nvPr/>
+      </p:nvGrpSpPr>
+      <p:grpSpPr>
+        <a:xfrm>
+          <a:off x="0" y="0"/>
+          <a:ext cx="0" cy="0"/>
+          <a:chOff x="0" y="0"/>
+          <a:chExt cx="0" cy="0"/>
+        </a:xfrm>
+      </p:grpSpPr>
+      <p:sp>
+        <p:nvSpPr>
+          <p:cNvPr id="2" name="Slide Image Placeholder 1"/>
+          <p:cNvSpPr>
+            <a:spLocks noGrp="1" noRot="1" noChangeAspect="1"/>
+          </p:cNvSpPr>
+          <p:nvPr>
+            <p:ph type="sldImg"/>
+          </p:nvPr>
+        </p:nvSpPr>
+        <p:spPr/>
+      </p:sp>
+      <p:sp>
+        <p:nvSpPr>
+          <p:cNvPr id="3" name="Notes Placeholder 2"/>
+          <p:cNvSpPr>
+            <a:spLocks noGrp="1"/>
+          </p:cNvSpPr>
+          <p:nvPr>
+            <p:ph type="body" idx="1"/>
+          </p:nvPr>
+        </p:nvSpPr>
+        <p:spPr/>
+        <p:txBody>
+          <a:bodyPr/>
+          <a:lstStyle/>
+          <a:p>
+            <a:r>
+              <a:rPr lang="en-US" dirty="0" err="1"/>
+              <a:t>Oke</a:t>
+            </a:r>
+            <a:r>
+              <a:rPr lang="en-US" dirty="0"/>
+              <a:t>, </a:t>
+            </a:r>
+            <a:r>
+              <a:rPr lang="en-US" dirty="0" err="1"/>
+              <a:t>ove</a:t>
+            </a:r>
+            <a:r>
+              <a:rPr lang="en-US" dirty="0"/>
+              <a:t> </a:t>
+            </a:r>
+            <a:r>
+              <a:rPr lang="en-US" dirty="0" err="1"/>
+              <a:t>brokere</a:t>
+            </a:r>
+            <a:r>
+              <a:rPr lang="en-US" dirty="0"/>
+              <a:t> </a:t>
+            </a:r>
+            <a:r>
+              <a:rPr lang="en-US" dirty="0" err="1"/>
+              <a:t>analiziramo</a:t>
+            </a:r>
+            <a:r>
+              <a:rPr lang="en-US" dirty="0"/>
+              <a:t> </a:t>
+            </a:r>
+            <a:r>
+              <a:rPr lang="en-US" i="1" dirty="0" err="1"/>
+              <a:t>ustvari</a:t>
+            </a:r>
+            <a:r>
+              <a:rPr lang="en-US" dirty="0"/>
+              <a:t>…</a:t>
+            </a:r>
+          </a:p>
+        </p:txBody>
+      </p:sp>
+      <p:sp>
+        <p:nvSpPr>
+          <p:cNvPr id="4" name="Slide Number Placeholder 3"/>
+          <p:cNvSpPr>
+            <a:spLocks noGrp="1"/>
+          </p:cNvSpPr>
+          <p:nvPr>
+            <p:ph type="sldNum" sz="quarter" idx="5"/>
+          </p:nvPr>
+        </p:nvSpPr>
+        <p:spPr/>
+        <p:txBody>
+          <a:bodyPr/>
+          <a:lstStyle/>
+          <a:p>
+            <a:fld id="{A4C5B70F-55C8-4301-8AC5-47F8CE76EC3B}" type="slidenum">
+              <a:rPr lang="sr-Latn-RS" smtClean="0"/>
+              <a:t>9</a:t>
+            </a:fld>
+            <a:endParaRPr lang="sr-Latn-RS"/>
+          </a:p>
+        </p:txBody>
+      </p:sp>
+    </p:spTree>
+    <p:extLst>
+      <p:ext uri="{BB962C8B-B14F-4D97-AF65-F5344CB8AC3E}">
+        <p14:creationId xmlns:p14="http://schemas.microsoft.com/office/powerpoint/2010/main" val="562225530"/>
+      </p:ext>
+    </p:extLst>
+  </p:cSld>
+  <p:clrMapOvr>
+    <a:masterClrMapping/>
+  </p:clrMapOvr>
+</p:notes>
+</file>
+
+<file path=ppt/notesSlides/notesSlide8.xml><?xml version="1.0" encoding="utf-8"?>
+<p:notes xmlns:a="http://schemas.openxmlformats.org/drawingml/2006/main" xmlns:r="http://schemas.openxmlformats.org/officeDocument/2006/relationships" xmlns:p="http://schemas.openxmlformats.org/presentationml/2006/main">
+  <p:cSld>
+    <p:spTree>
+      <p:nvGrpSpPr>
+        <p:cNvPr id="1" name=""/>
+        <p:cNvGrpSpPr/>
+        <p:nvPr/>
+      </p:nvGrpSpPr>
+      <p:grpSpPr>
+        <a:xfrm>
+          <a:off x="0" y="0"/>
+          <a:ext cx="0" cy="0"/>
+          <a:chOff x="0" y="0"/>
+          <a:chExt cx="0" cy="0"/>
+        </a:xfrm>
+      </p:grpSpPr>
+      <p:sp>
+        <p:nvSpPr>
+          <p:cNvPr id="2" name="Slide Image Placeholder 1"/>
+          <p:cNvSpPr>
+            <a:spLocks noGrp="1" noRot="1" noChangeAspect="1"/>
+          </p:cNvSpPr>
+          <p:nvPr>
+            <p:ph type="sldImg"/>
+          </p:nvPr>
+        </p:nvSpPr>
+        <p:spPr/>
+      </p:sp>
+      <p:sp>
+        <p:nvSpPr>
+          <p:cNvPr id="3" name="Notes Placeholder 2"/>
+          <p:cNvSpPr>
+            <a:spLocks noGrp="1"/>
+          </p:cNvSpPr>
+          <p:nvPr>
+            <p:ph type="body" idx="1"/>
+          </p:nvPr>
+        </p:nvSpPr>
+        <p:spPr/>
+        <p:txBody>
+          <a:bodyPr/>
+          <a:lstStyle/>
+          <a:p>
+            <a:endParaRPr lang="en-US" dirty="0"/>
+          </a:p>
+        </p:txBody>
+      </p:sp>
+      <p:sp>
+        <p:nvSpPr>
+          <p:cNvPr id="4" name="Slide Number Placeholder 3"/>
+          <p:cNvSpPr>
+            <a:spLocks noGrp="1"/>
+          </p:cNvSpPr>
+          <p:nvPr>
+            <p:ph type="sldNum" sz="quarter" idx="5"/>
+          </p:nvPr>
+        </p:nvSpPr>
+        <p:spPr/>
+        <p:txBody>
+          <a:bodyPr/>
+          <a:lstStyle/>
+          <a:p>
+            <a:fld id="{A4C5B70F-55C8-4301-8AC5-47F8CE76EC3B}" type="slidenum">
+              <a:rPr lang="sr-Latn-RS" smtClean="0"/>
+              <a:t>10</a:t>
+            </a:fld>
+            <a:endParaRPr lang="sr-Latn-RS"/>
+          </a:p>
+        </p:txBody>
+      </p:sp>
+    </p:spTree>
+    <p:extLst>
+      <p:ext uri="{BB962C8B-B14F-4D97-AF65-F5344CB8AC3E}">
+        <p14:creationId xmlns:p14="http://schemas.microsoft.com/office/powerpoint/2010/main" val="1919496257"/>
+      </p:ext>
+    </p:extLst>
+  </p:cSld>
+  <p:clrMapOvr>
+    <a:masterClrMapping/>
+  </p:clrMapOvr>
+</p:notes>
+</file>
+
+<file path=ppt/notesSlides/notesSlide9.xml><?xml version="1.0" encoding="utf-8"?>
+<p:notes xmlns:a="http://schemas.openxmlformats.org/drawingml/2006/main" xmlns:r="http://schemas.openxmlformats.org/officeDocument/2006/relationships" xmlns:p="http://schemas.openxmlformats.org/presentationml/2006/main">
+  <p:cSld>
+    <p:spTree>
+      <p:nvGrpSpPr>
+        <p:cNvPr id="1" name=""/>
+        <p:cNvGrpSpPr/>
+        <p:nvPr/>
+      </p:nvGrpSpPr>
+      <p:grpSpPr>
+        <a:xfrm>
+          <a:off x="0" y="0"/>
+          <a:ext cx="0" cy="0"/>
+          <a:chOff x="0" y="0"/>
+          <a:chExt cx="0" cy="0"/>
+        </a:xfrm>
+      </p:grpSpPr>
+      <p:sp>
+        <p:nvSpPr>
+          <p:cNvPr id="2" name="Slide Image Placeholder 1"/>
+          <p:cNvSpPr>
+            <a:spLocks noGrp="1" noRot="1" noChangeAspect="1"/>
+          </p:cNvSpPr>
+          <p:nvPr>
+            <p:ph type="sldImg"/>
+          </p:nvPr>
+        </p:nvSpPr>
+        <p:spPr/>
+      </p:sp>
+      <p:sp>
+        <p:nvSpPr>
+          <p:cNvPr id="3" name="Notes Placeholder 2"/>
+          <p:cNvSpPr>
+            <a:spLocks noGrp="1"/>
+          </p:cNvSpPr>
+          <p:nvPr>
+            <p:ph type="body" idx="1"/>
+          </p:nvPr>
+        </p:nvSpPr>
+        <p:spPr/>
+        <p:txBody>
+          <a:bodyPr/>
+          <a:lstStyle/>
+          <a:p>
+            <a:r>
+              <a:rPr lang="en-US" dirty="0" err="1"/>
+              <a:t>Koje</a:t>
+            </a:r>
+            <a:r>
+              <a:rPr lang="en-US" dirty="0"/>
+              <a:t> parameter </a:t>
+            </a:r>
+            <a:r>
+              <a:rPr lang="en-US" dirty="0" err="1"/>
+              <a:t>koristimo</a:t>
+            </a:r>
+            <a:r>
+              <a:rPr lang="en-US" dirty="0"/>
+              <a:t>?</a:t>
+            </a:r>
+          </a:p>
+        </p:txBody>
+      </p:sp>
+      <p:sp>
+        <p:nvSpPr>
+          <p:cNvPr id="4" name="Slide Number Placeholder 3"/>
+          <p:cNvSpPr>
+            <a:spLocks noGrp="1"/>
+          </p:cNvSpPr>
+          <p:nvPr>
+            <p:ph type="sldNum" sz="quarter" idx="5"/>
+          </p:nvPr>
+        </p:nvSpPr>
+        <p:spPr/>
+        <p:txBody>
+          <a:bodyPr/>
+          <a:lstStyle/>
+          <a:p>
+            <a:fld id="{A4C5B70F-55C8-4301-8AC5-47F8CE76EC3B}" type="slidenum">
+              <a:rPr lang="sr-Latn-RS" smtClean="0"/>
+              <a:t>28</a:t>
+            </a:fld>
+            <a:endParaRPr lang="sr-Latn-RS"/>
+          </a:p>
+        </p:txBody>
+      </p:sp>
+    </p:spTree>
+    <p:extLst>
+      <p:ext uri="{BB962C8B-B14F-4D97-AF65-F5344CB8AC3E}">
+        <p14:creationId xmlns:p14="http://schemas.microsoft.com/office/powerpoint/2010/main" val="1968209286"/>
+      </p:ext>
+    </p:extLst>
+  </p:cSld>
+  <p:clrMapOvr>
+    <a:masterClrMapping/>
+  </p:clrMapOvr>
+</p:notes>
+</file>
+
 <file path=ppt/slideLayouts/slideLayout1.xml><?xml version="1.0" encoding="utf-8"?>
 <p:sldLayout xmlns:a="http://schemas.openxmlformats.org/drawingml/2006/main" xmlns:r="http://schemas.openxmlformats.org/officeDocument/2006/relationships" xmlns:p="http://schemas.openxmlformats.org/presentationml/2006/main" type="title" preserve="1">
   <p:cSld name="Title Slide">
@@ -673,7 +3077,7 @@
           <a:p>
             <a:fld id="{5DF4CF51-5A3F-455F-9488-BEEE221BD0A6}" type="datetime1">
               <a:rPr lang="en-US" smtClean="0"/>
-              <a:t>10/16/2020</a:t>
+              <a:t>10/17/2020</a:t>
             </a:fld>
             <a:endParaRPr lang="en-US" dirty="0"/>
           </a:p>
@@ -1003,7 +3407,7 @@
           <a:p>
             <a:fld id="{CADD5BFF-AF6D-484D-BD2D-7FBDD16E2153}" type="datetime1">
               <a:rPr lang="en-US" smtClean="0"/>
-              <a:t>10/16/2020</a:t>
+              <a:t>10/17/2020</a:t>
             </a:fld>
             <a:endParaRPr lang="en-US" dirty="0"/>
           </a:p>
@@ -1182,7 +3586,7 @@
           <a:p>
             <a:fld id="{BBE69A8F-324F-431B-AD87-E57F3ABBDECA}" type="datetime1">
               <a:rPr lang="en-US" smtClean="0"/>
-              <a:t>10/16/2020</a:t>
+              <a:t>10/17/2020</a:t>
             </a:fld>
             <a:endParaRPr lang="en-US" dirty="0"/>
           </a:p>
@@ -1351,7 +3755,7 @@
           <a:p>
             <a:fld id="{7A06392C-06DA-4C13-B2F4-96063B0505EC}" type="datetime1">
               <a:rPr lang="en-US" smtClean="0"/>
-              <a:t>10/16/2020</a:t>
+              <a:t>10/17/2020</a:t>
             </a:fld>
             <a:endParaRPr lang="en-US" dirty="0"/>
           </a:p>
@@ -1622,7 +4026,7 @@
           <a:p>
             <a:fld id="{A812378C-ABFC-4A6C-AFE7-4370505F60D8}" type="datetime1">
               <a:rPr lang="en-US" smtClean="0"/>
-              <a:t>10/16/2020</a:t>
+              <a:t>10/17/2020</a:t>
             </a:fld>
             <a:endParaRPr lang="en-US" dirty="0"/>
           </a:p>
@@ -2016,7 +4420,7 @@
           <a:p>
             <a:fld id="{7A69B34E-8961-4AF4-852B-FC31A5E02C41}" type="datetime1">
               <a:rPr lang="en-US" smtClean="0"/>
-              <a:t>10/16/2020</a:t>
+              <a:t>10/17/2020</a:t>
             </a:fld>
             <a:endParaRPr lang="en-US" dirty="0"/>
           </a:p>
@@ -2492,7 +4896,7 @@
           <a:p>
             <a:fld id="{50C3288B-167B-45CA-8D10-5281E636FA80}" type="datetime1">
               <a:rPr lang="en-US" smtClean="0"/>
-              <a:t>10/16/2020</a:t>
+              <a:t>10/17/2020</a:t>
             </a:fld>
             <a:endParaRPr lang="en-US" dirty="0"/>
           </a:p>
@@ -2609,7 +5013,7 @@
           <a:p>
             <a:fld id="{721000E7-B225-4F85-90F2-2B79367D0D5B}" type="datetime1">
               <a:rPr lang="en-US" smtClean="0"/>
-              <a:t>10/16/2020</a:t>
+              <a:t>10/17/2020</a:t>
             </a:fld>
             <a:endParaRPr lang="en-US" dirty="0"/>
           </a:p>
@@ -2703,7 +5107,7 @@
           <a:p>
             <a:fld id="{0C2B75DD-59D7-47E6-B482-25CD8E74038A}" type="datetime1">
               <a:rPr lang="en-US" smtClean="0"/>
-              <a:t>10/16/2020</a:t>
+              <a:t>10/17/2020</a:t>
             </a:fld>
             <a:endParaRPr lang="en-US" dirty="0"/>
           </a:p>
@@ -3048,7 +5452,7 @@
           <a:p>
             <a:fld id="{DE2B59DB-E213-40FA-B104-9A99120614E7}" type="datetime1">
               <a:rPr lang="en-US" smtClean="0"/>
-              <a:t>10/16/2020</a:t>
+              <a:t>10/17/2020</a:t>
             </a:fld>
             <a:endParaRPr lang="en-US" dirty="0"/>
           </a:p>
@@ -3436,7 +5840,7 @@
           <a:p>
             <a:fld id="{1673A247-B1D5-4D91-A16C-418C999A1F02}" type="datetime1">
               <a:rPr lang="en-US" smtClean="0"/>
-              <a:t>10/16/2020</a:t>
+              <a:t>10/17/2020</a:t>
             </a:fld>
             <a:endParaRPr lang="en-US" dirty="0"/>
           </a:p>
@@ -3714,7 +6118,7 @@
           <a:p>
             <a:fld id="{F74B163F-9C1F-44BC-8C83-E28755A2E48E}" type="datetime1">
               <a:rPr lang="en-US" smtClean="0"/>
-              <a:t>10/16/2020</a:t>
+              <a:t>10/17/2020</a:t>
             </a:fld>
             <a:endParaRPr lang="en-US" dirty="0"/>
           </a:p>
@@ -4462,7 +6866,7 @@
           <p:nvPr/>
         </p:nvPicPr>
         <p:blipFill>
-          <a:blip r:embed="rId2" cstate="print">
+          <a:blip r:embed="rId3" cstate="print">
             <a:extLst>
               <a:ext uri="{28A0092B-C50C-407E-A947-70E740481C1C}">
                 <a14:useLocalDpi xmlns:a14="http://schemas.microsoft.com/office/drawing/2010/main" val="0"/>
@@ -4501,7 +6905,7 @@
           <p:nvPr/>
         </p:nvPicPr>
         <p:blipFill>
-          <a:blip r:embed="rId3" cstate="print">
+          <a:blip r:embed="rId4" cstate="print">
             <a:extLst>
               <a:ext uri="{28A0092B-C50C-407E-A947-70E740481C1C}">
                 <a14:useLocalDpi xmlns:a14="http://schemas.microsoft.com/office/drawing/2010/main" val="0"/>
@@ -4883,7 +7287,7 @@
           <p:nvPr/>
         </p:nvPicPr>
         <p:blipFill>
-          <a:blip r:embed="rId2">
+          <a:blip r:embed="rId3">
             <a:extLst>
               <a:ext uri="{28A0092B-C50C-407E-A947-70E740481C1C}">
                 <a14:useLocalDpi xmlns:a14="http://schemas.microsoft.com/office/drawing/2010/main" val="0"/>
@@ -5390,6 +7794,53 @@
           </a:p>
         </p:txBody>
       </p:sp>
+      <p:pic>
+        <p:nvPicPr>
+          <p:cNvPr id="10" name="Picture 2">
+            <a:extLst>
+              <a:ext uri="{FF2B5EF4-FFF2-40B4-BE49-F238E27FC236}">
+                <a16:creationId xmlns:a16="http://schemas.microsoft.com/office/drawing/2014/main" id="{9C17DEFA-67C5-47E1-90A2-BF720CE6935E}"/>
+              </a:ext>
+            </a:extLst>
+          </p:cNvPr>
+          <p:cNvPicPr>
+            <a:picLocks noChangeAspect="1" noChangeArrowheads="1"/>
+          </p:cNvPicPr>
+          <p:nvPr/>
+        </p:nvPicPr>
+        <p:blipFill>
+          <a:blip r:embed="rId2">
+            <a:extLst>
+              <a:ext uri="{28A0092B-C50C-407E-A947-70E740481C1C}">
+                <a14:useLocalDpi xmlns:a14="http://schemas.microsoft.com/office/drawing/2010/main" val="0"/>
+              </a:ext>
+            </a:extLst>
+          </a:blip>
+          <a:srcRect/>
+          <a:stretch>
+            <a:fillRect/>
+          </a:stretch>
+        </p:blipFill>
+        <p:spPr bwMode="auto">
+          <a:xfrm>
+            <a:off x="8165367" y="-62345"/>
+            <a:ext cx="4619456" cy="1745128"/>
+          </a:xfrm>
+          <a:prstGeom prst="rect">
+            <a:avLst/>
+          </a:prstGeom>
+          <a:noFill/>
+          <a:extLst>
+            <a:ext uri="{909E8E84-426E-40DD-AFC4-6F175D3DCCD1}">
+              <a14:hiddenFill xmlns:a14="http://schemas.microsoft.com/office/drawing/2010/main">
+                <a:solidFill>
+                  <a:srgbClr val="FFFFFF"/>
+                </a:solidFill>
+              </a14:hiddenFill>
+            </a:ext>
+          </a:extLst>
+        </p:spPr>
+      </p:pic>
     </p:spTree>
     <p:extLst>
       <p:ext uri="{BB962C8B-B14F-4D97-AF65-F5344CB8AC3E}">
@@ -8616,8 +11067,8 @@
         </p:blipFill>
         <p:spPr>
           <a:xfrm>
-            <a:off x="8103201" y="2048023"/>
-            <a:ext cx="1518036" cy="2450804"/>
+            <a:off x="7940466" y="901171"/>
+            <a:ext cx="2768618" cy="4469815"/>
           </a:xfrm>
           <a:prstGeom prst="rect">
             <a:avLst/>
@@ -8745,7 +11196,7 @@
             </a:pPr>
             <a:r>
               <a:rPr lang="en-US" sz="1800" dirty="0"/>
-              <a:t>      linkedin.com/in/robert-robii-sabo-34425bb0</a:t>
+              <a:t>      linkedin.com/in/robert-sabo-34425bb0</a:t>
             </a:r>
           </a:p>
           <a:p>
@@ -12427,7 +14878,7 @@
           <p:nvPr/>
         </p:nvPicPr>
         <p:blipFill>
-          <a:blip r:embed="rId2"/>
+          <a:blip r:embed="rId3"/>
           <a:stretch>
             <a:fillRect/>
           </a:stretch>
@@ -13131,7 +15582,7 @@
           <p:nvPr/>
         </p:nvPicPr>
         <p:blipFill>
-          <a:blip r:embed="rId2"/>
+          <a:blip r:embed="rId3"/>
           <a:stretch>
             <a:fillRect/>
           </a:stretch>
@@ -13706,16 +16157,8 @@
           <a:p>
             <a:pPr lvl="1"/>
             <a:r>
-              <a:rPr lang="en-US" sz="2400" dirty="0" err="1"/>
-              <a:t>Distribuirani</a:t>
-            </a:r>
-            <a:r>
-              <a:rPr lang="en-US" sz="2400" dirty="0"/>
-              <a:t> </a:t>
-            </a:r>
-            <a:r>
-              <a:rPr lang="en-US" sz="2400" dirty="0" err="1"/>
-              <a:t>sistemi</a:t>
+              <a:rPr lang="sr-Latn-RS" sz="2400" dirty="0"/>
+              <a:t>naslov</a:t>
             </a:r>
             <a:endParaRPr lang="en-US" sz="2400" dirty="0"/>
           </a:p>
@@ -13748,13 +16191,8 @@
           <a:p>
             <a:r>
               <a:rPr lang="sr-Latn-RS" sz="2400" dirty="0"/>
-              <a:t>Rezultati </a:t>
-            </a:r>
-            <a:r>
-              <a:rPr lang="sr-Latn-RS" sz="2400" dirty="0" err="1"/>
-              <a:t>restova</a:t>
-            </a:r>
-            <a:endParaRPr lang="sr-Latn-RS" sz="2400" dirty="0"/>
+              <a:t>Rezultati testova</a:t>
+            </a:r>
           </a:p>
           <a:p>
             <a:r>
@@ -16646,7 +19084,7 @@
           <p:nvPr/>
         </p:nvPicPr>
         <p:blipFill>
-          <a:blip r:embed="rId2">
+          <a:blip r:embed="rId3">
             <a:extLst>
               <a:ext uri="{28A0092B-C50C-407E-A947-70E740481C1C}">
                 <a14:useLocalDpi xmlns:a14="http://schemas.microsoft.com/office/drawing/2010/main" val="0"/>
@@ -19046,7 +21484,7 @@
           <p:nvPr/>
         </p:nvPicPr>
         <p:blipFill>
-          <a:blip r:embed="rId2"/>
+          <a:blip r:embed="rId3"/>
           <a:stretch>
             <a:fillRect/>
           </a:stretch>
@@ -19777,7 +22215,7 @@
           <p:nvPr/>
         </p:nvPicPr>
         <p:blipFill>
-          <a:blip r:embed="rId2"/>
+          <a:blip r:embed="rId3"/>
           <a:stretch>
             <a:fillRect/>
           </a:stretch>
@@ -20565,7 +23003,7 @@
           <p:nvPr/>
         </p:nvPicPr>
         <p:blipFill>
-          <a:blip r:embed="rId2"/>
+          <a:blip r:embed="rId3"/>
           <a:stretch>
             <a:fillRect/>
           </a:stretch>
@@ -20924,7 +23362,7 @@
           <p:nvPr/>
         </p:nvPicPr>
         <p:blipFill>
-          <a:blip r:embed="rId2"/>
+          <a:blip r:embed="rId3"/>
           <a:stretch>
             <a:fillRect/>
           </a:stretch>
@@ -21570,7 +24008,7 @@
             <p:nvPr/>
           </p:nvPicPr>
           <p:blipFill>
-            <a:blip r:embed="rId2"/>
+            <a:blip r:embed="rId3"/>
             <a:stretch>
               <a:fillRect/>
             </a:stretch>
@@ -21598,7 +24036,7 @@
             <p:nvPr/>
           </p:nvPicPr>
           <p:blipFill>
-            <a:blip r:embed="rId3"/>
+            <a:blip r:embed="rId4"/>
             <a:stretch>
               <a:fillRect/>
             </a:stretch>
@@ -21626,7 +24064,7 @@
             <p:nvPr/>
           </p:nvPicPr>
           <p:blipFill>
-            <a:blip r:embed="rId4"/>
+            <a:blip r:embed="rId5"/>
             <a:stretch>
               <a:fillRect/>
             </a:stretch>
@@ -21990,7 +24428,7 @@
           <p:nvPr/>
         </p:nvPicPr>
         <p:blipFill>
-          <a:blip r:embed="rId2"/>
+          <a:blip r:embed="rId3"/>
           <a:stretch>
             <a:fillRect/>
           </a:stretch>
@@ -22520,125 +24958,55 @@
           <a:lstStyle/>
           <a:p>
             <a:pPr marL="285750" indent="-285750">
+              <a:spcAft>
+                <a:spcPts val="0"/>
+              </a:spcAft>
               <a:buFont typeface="Arial" panose="020B0604020202020204" pitchFamily="34" charset="0"/>
               <a:buChar char="•"/>
             </a:pPr>
             <a:r>
-              <a:rPr lang="en-US" sz="2400" dirty="0" err="1"/>
-              <a:t>Izneti</a:t>
-            </a:r>
-            <a:r>
               <a:rPr lang="en-US" sz="2400" dirty="0"/>
-              <a:t> </a:t>
-            </a:r>
-            <a:r>
-              <a:rPr lang="en-US" sz="2400" dirty="0" err="1"/>
-              <a:t>diskusiju</a:t>
-            </a:r>
-            <a:r>
-              <a:rPr lang="en-US" sz="2400" dirty="0"/>
-              <a:t> </a:t>
-            </a:r>
-            <a:r>
-              <a:rPr lang="en-US" sz="2400" dirty="0" err="1"/>
-              <a:t>rezultata</a:t>
-            </a:r>
-            <a:r>
-              <a:rPr lang="en-US" sz="2400" dirty="0"/>
-              <a:t> ….</a:t>
-            </a:r>
-          </a:p>
-          <a:p>
-            <a:pPr marL="285750" indent="-285750">
-              <a:buFont typeface="Arial" panose="020B0604020202020204" pitchFamily="34" charset="0"/>
-              <a:buChar char="•"/>
-            </a:pPr>
-            <a:r>
-              <a:rPr lang="en-US" sz="2400" dirty="0"/>
-              <a:t>Da li </a:t>
-            </a:r>
-            <a:r>
-              <a:rPr lang="en-US" sz="2400" dirty="0" err="1"/>
-              <a:t>su</a:t>
-            </a:r>
-            <a:r>
-              <a:rPr lang="en-US" sz="2400" dirty="0"/>
-              <a:t> to </a:t>
-            </a:r>
-            <a:r>
-              <a:rPr lang="en-US" sz="2400" dirty="0" err="1"/>
-              <a:t>zaista</a:t>
-            </a:r>
-            <a:r>
-              <a:rPr lang="en-US" sz="2400" dirty="0"/>
-              <a:t> </a:t>
-            </a:r>
-            <a:r>
-              <a:rPr lang="en-US" sz="2400" dirty="0" err="1"/>
-              <a:t>granice</a:t>
-            </a:r>
-            <a:r>
-              <a:rPr lang="en-US" sz="2400" dirty="0"/>
-              <a:t>?</a:t>
-            </a:r>
-          </a:p>
-          <a:p>
-            <a:pPr marL="285750" indent="-285750">
-              <a:buFont typeface="Arial" panose="020B0604020202020204" pitchFamily="34" charset="0"/>
-              <a:buChar char="•"/>
-            </a:pPr>
-            <a:r>
-              <a:rPr lang="en-US" sz="2400" dirty="0"/>
-              <a:t>Sta bi </a:t>
-            </a:r>
-            <a:r>
-              <a:rPr lang="en-US" sz="2400" dirty="0" err="1"/>
-              <a:t>bilo</a:t>
-            </a:r>
-            <a:r>
-              <a:rPr lang="en-US" sz="2400" dirty="0"/>
-              <a:t> dobro </a:t>
-            </a:r>
-            <a:r>
-              <a:rPr lang="en-US" sz="2400" dirty="0" err="1"/>
-              <a:t>uraditi</a:t>
-            </a:r>
-            <a:r>
-              <a:rPr lang="en-US" sz="2400" dirty="0"/>
-              <a:t>….</a:t>
-            </a:r>
-          </a:p>
-          <a:p>
-            <a:pPr marL="285750" indent="-285750">
-              <a:buFont typeface="Arial" panose="020B0604020202020204" pitchFamily="34" charset="0"/>
-              <a:buChar char="•"/>
-            </a:pPr>
-            <a:r>
-              <a:rPr lang="en-US" sz="2400" dirty="0" err="1"/>
-              <a:t>Zakljucak</a:t>
-            </a:r>
-            <a:endParaRPr lang="en-US" sz="2400" dirty="0"/>
-          </a:p>
-          <a:p>
-            <a:pPr marL="285750" indent="-285750">
-              <a:buFont typeface="Arial" panose="020B0604020202020204" pitchFamily="34" charset="0"/>
-              <a:buChar char="•"/>
-            </a:pPr>
-            <a:endParaRPr lang="en-US" sz="2400" dirty="0"/>
-          </a:p>
-          <a:p>
-            <a:pPr marL="285750" indent="-285750">
-              <a:buFont typeface="Arial" panose="020B0604020202020204" pitchFamily="34" charset="0"/>
-              <a:buChar char="•"/>
-            </a:pPr>
-            <a:endParaRPr lang="en-US" sz="2400" dirty="0"/>
+              <a:t>Redis</a:t>
+            </a:r>
+            <a:endParaRPr lang="sr-Latn-RS" sz="2400" dirty="0"/>
           </a:p>
           <a:p>
             <a:pPr marL="742950" lvl="1" indent="-285750">
               <a:buFont typeface="Arial" panose="020B0604020202020204" pitchFamily="34" charset="0"/>
               <a:buChar char="•"/>
             </a:pPr>
-            <a:endParaRPr lang="en-US" sz="1600" dirty="0"/>
+            <a:r>
+              <a:rPr lang="sr-Latn-RS" sz="2000" dirty="0"/>
+              <a:t>Pozitivno </a:t>
+            </a:r>
+            <a:r>
+              <a:rPr lang="en-US" sz="2000" dirty="0" err="1"/>
+              <a:t>iznena</a:t>
+            </a:r>
+            <a:r>
+              <a:rPr lang="sr-Latn-RS" sz="2000" dirty="0" err="1"/>
+              <a:t>đenje</a:t>
+            </a:r>
+            <a:endParaRPr lang="sr-Latn-RS" sz="2000" dirty="0"/>
+          </a:p>
+          <a:p>
+            <a:pPr marL="742950" lvl="1" indent="-285750">
+              <a:buFont typeface="Arial" panose="020B0604020202020204" pitchFamily="34" charset="0"/>
+              <a:buChar char="•"/>
+            </a:pPr>
+            <a:r>
+              <a:rPr lang="sr-Latn-RS" sz="2000" dirty="0"/>
+              <a:t>Negativno </a:t>
+            </a:r>
+            <a:r>
+              <a:rPr lang="en-US" sz="2000" dirty="0" err="1"/>
+              <a:t>iznena</a:t>
+            </a:r>
+            <a:r>
+              <a:rPr lang="sr-Latn-RS" sz="2000" dirty="0" err="1"/>
+              <a:t>đenje</a:t>
+            </a:r>
+            <a:endParaRPr lang="en-US" sz="2000" dirty="0"/>
           </a:p>
         </p:txBody>
       </p:sp>
@@ -22675,6 +25043,53 @@
           </a:p>
         </p:txBody>
       </p:sp>
+      <p:pic>
+        <p:nvPicPr>
+          <p:cNvPr id="3" name="Picture 4" descr="Redis - Wikipedia">
+            <a:extLst>
+              <a:ext uri="{FF2B5EF4-FFF2-40B4-BE49-F238E27FC236}">
+                <a16:creationId xmlns:a16="http://schemas.microsoft.com/office/drawing/2014/main" id="{CCF451D4-51EE-4D8B-B335-3C78347AD61D}"/>
+              </a:ext>
+            </a:extLst>
+          </p:cNvPr>
+          <p:cNvPicPr>
+            <a:picLocks noChangeAspect="1" noChangeArrowheads="1"/>
+          </p:cNvPicPr>
+          <p:nvPr/>
+        </p:nvPicPr>
+        <p:blipFill>
+          <a:blip r:embed="rId3">
+            <a:extLst>
+              <a:ext uri="{28A0092B-C50C-407E-A947-70E740481C1C}">
+                <a14:useLocalDpi xmlns:a14="http://schemas.microsoft.com/office/drawing/2010/main" val="0"/>
+              </a:ext>
+            </a:extLst>
+          </a:blip>
+          <a:srcRect/>
+          <a:stretch>
+            <a:fillRect/>
+          </a:stretch>
+        </p:blipFill>
+        <p:spPr bwMode="auto">
+          <a:xfrm>
+            <a:off x="7041032" y="2134680"/>
+            <a:ext cx="3878461" cy="1296052"/>
+          </a:xfrm>
+          <a:prstGeom prst="rect">
+            <a:avLst/>
+          </a:prstGeom>
+          <a:noFill/>
+          <a:extLst>
+            <a:ext uri="{909E8E84-426E-40DD-AFC4-6F175D3DCCD1}">
+              <a14:hiddenFill xmlns:a14="http://schemas.microsoft.com/office/drawing/2010/main">
+                <a:solidFill>
+                  <a:srgbClr val="FFFFFF"/>
+                </a:solidFill>
+              </a14:hiddenFill>
+            </a:ext>
+          </a:extLst>
+        </p:spPr>
+      </p:pic>
     </p:spTree>
     <p:extLst>
       <p:ext uri="{BB962C8B-B14F-4D97-AF65-F5344CB8AC3E}">
@@ -22689,6 +25104,1507 @@
 </file>
 
 <file path=ppt/slides/slide48.xml><?xml version="1.0" encoding="utf-8"?>
+<p:sld xmlns:a="http://schemas.openxmlformats.org/drawingml/2006/main" xmlns:r="http://schemas.openxmlformats.org/officeDocument/2006/relationships" xmlns:p="http://schemas.openxmlformats.org/presentationml/2006/main">
+  <p:cSld>
+    <p:spTree>
+      <p:nvGrpSpPr>
+        <p:cNvPr id="1" name=""/>
+        <p:cNvGrpSpPr/>
+        <p:nvPr/>
+      </p:nvGrpSpPr>
+      <p:grpSpPr>
+        <a:xfrm>
+          <a:off x="0" y="0"/>
+          <a:ext cx="0" cy="0"/>
+          <a:chOff x="0" y="0"/>
+          <a:chExt cx="0" cy="0"/>
+        </a:xfrm>
+      </p:grpSpPr>
+      <p:sp>
+        <p:nvSpPr>
+          <p:cNvPr id="2" name="Title 1">
+            <a:extLst>
+              <a:ext uri="{FF2B5EF4-FFF2-40B4-BE49-F238E27FC236}">
+                <a16:creationId xmlns:a16="http://schemas.microsoft.com/office/drawing/2014/main" id="{C4EB6D57-8F8F-4DC5-A3EC-21BA24E7DE6D}"/>
+              </a:ext>
+            </a:extLst>
+          </p:cNvPr>
+          <p:cNvSpPr>
+            <a:spLocks noGrp="1"/>
+          </p:cNvSpPr>
+          <p:nvPr>
+            <p:ph type="title"/>
+          </p:nvPr>
+        </p:nvSpPr>
+        <p:spPr>
+          <a:xfrm>
+            <a:off x="278085" y="112474"/>
+            <a:ext cx="4763698" cy="782876"/>
+          </a:xfrm>
+        </p:spPr>
+        <p:txBody>
+          <a:bodyPr/>
+          <a:lstStyle/>
+          <a:p>
+            <a:pPr algn="ctr"/>
+            <a:r>
+              <a:rPr lang="en-US" sz="6000" dirty="0" err="1"/>
+              <a:t>Diskusija</a:t>
+            </a:r>
+            <a:endParaRPr lang="sr-Latn-RS" sz="6000" dirty="0"/>
+          </a:p>
+        </p:txBody>
+      </p:sp>
+      <p:sp>
+        <p:nvSpPr>
+          <p:cNvPr id="4" name="Text Placeholder 3">
+            <a:extLst>
+              <a:ext uri="{FF2B5EF4-FFF2-40B4-BE49-F238E27FC236}">
+                <a16:creationId xmlns:a16="http://schemas.microsoft.com/office/drawing/2014/main" id="{6B1760FB-881C-4B92-BC60-0C103E072846}"/>
+              </a:ext>
+            </a:extLst>
+          </p:cNvPr>
+          <p:cNvSpPr>
+            <a:spLocks noGrp="1"/>
+          </p:cNvSpPr>
+          <p:nvPr>
+            <p:ph type="body" sz="half" idx="2"/>
+          </p:nvPr>
+        </p:nvSpPr>
+        <p:spPr>
+          <a:xfrm>
+            <a:off x="278085" y="1009825"/>
+            <a:ext cx="4448572" cy="4544636"/>
+          </a:xfrm>
+        </p:spPr>
+        <p:txBody>
+          <a:bodyPr>
+            <a:normAutofit/>
+          </a:bodyPr>
+          <a:lstStyle/>
+          <a:p>
+            <a:pPr marL="285750" indent="-285750">
+              <a:spcAft>
+                <a:spcPts val="0"/>
+              </a:spcAft>
+              <a:buFont typeface="Arial" panose="020B0604020202020204" pitchFamily="34" charset="0"/>
+              <a:buChar char="•"/>
+            </a:pPr>
+            <a:r>
+              <a:rPr lang="en-US" sz="2400" dirty="0"/>
+              <a:t>Redis</a:t>
+            </a:r>
+            <a:endParaRPr lang="sr-Latn-RS" sz="2400" dirty="0"/>
+          </a:p>
+          <a:p>
+            <a:pPr marL="285750" indent="-285750">
+              <a:spcAft>
+                <a:spcPts val="0"/>
+              </a:spcAft>
+              <a:buFont typeface="Arial" panose="020B0604020202020204" pitchFamily="34" charset="0"/>
+              <a:buChar char="•"/>
+            </a:pPr>
+            <a:r>
+              <a:rPr lang="sr-Latn-RS" sz="2400" dirty="0"/>
+              <a:t>MQTT</a:t>
+            </a:r>
+          </a:p>
+          <a:p>
+            <a:pPr marL="742950" lvl="1" indent="-285750">
+              <a:spcAft>
+                <a:spcPts val="0"/>
+              </a:spcAft>
+              <a:buFont typeface="Arial" panose="020B0604020202020204" pitchFamily="34" charset="0"/>
+              <a:buChar char="•"/>
+            </a:pPr>
+            <a:r>
+              <a:rPr lang="sr-Latn-RS" sz="2000" dirty="0" err="1"/>
+              <a:t>QoS</a:t>
+            </a:r>
+            <a:r>
+              <a:rPr lang="sr-Latn-RS" sz="2000" dirty="0"/>
+              <a:t> 0 pozitivno - negativno</a:t>
+            </a:r>
+          </a:p>
+          <a:p>
+            <a:pPr marL="742950" lvl="1" indent="-285750">
+              <a:spcAft>
+                <a:spcPts val="0"/>
+              </a:spcAft>
+              <a:buFont typeface="Arial" panose="020B0604020202020204" pitchFamily="34" charset="0"/>
+              <a:buChar char="•"/>
+            </a:pPr>
+            <a:r>
+              <a:rPr lang="sr-Latn-RS" sz="2000" dirty="0" err="1"/>
+              <a:t>QoS</a:t>
+            </a:r>
+            <a:r>
+              <a:rPr lang="sr-Latn-RS" sz="2000" dirty="0"/>
+              <a:t> </a:t>
+            </a:r>
+            <a:r>
+              <a:rPr lang="en-US" sz="2000" dirty="0"/>
+              <a:t>&gt; 0</a:t>
+            </a:r>
+          </a:p>
+        </p:txBody>
+      </p:sp>
+      <p:sp>
+        <p:nvSpPr>
+          <p:cNvPr id="5" name="Footer Placeholder 4">
+            <a:extLst>
+              <a:ext uri="{FF2B5EF4-FFF2-40B4-BE49-F238E27FC236}">
+                <a16:creationId xmlns:a16="http://schemas.microsoft.com/office/drawing/2014/main" id="{5868A4EE-6667-41FC-9B37-C014FD82EF01}"/>
+              </a:ext>
+            </a:extLst>
+          </p:cNvPr>
+          <p:cNvSpPr>
+            <a:spLocks noGrp="1"/>
+          </p:cNvSpPr>
+          <p:nvPr>
+            <p:ph type="ftr" sz="quarter" idx="11"/>
+          </p:nvPr>
+        </p:nvSpPr>
+        <p:spPr/>
+        <p:txBody>
+          <a:bodyPr/>
+          <a:lstStyle/>
+          <a:p>
+            <a:r>
+              <a:rPr lang="en-US" i="1" dirty="0" err="1">
+                <a:latin typeface="Consolas" panose="020B0609020204030204" pitchFamily="49" charset="0"/>
+              </a:rPr>
+              <a:t>robii</a:t>
+            </a:r>
+            <a:endParaRPr lang="en-US" i="1" dirty="0">
+              <a:latin typeface="Consolas" panose="020B0609020204030204" pitchFamily="49" charset="0"/>
+            </a:endParaRPr>
+          </a:p>
+        </p:txBody>
+      </p:sp>
+      <p:pic>
+        <p:nvPicPr>
+          <p:cNvPr id="7" name="Picture 2">
+            <a:extLst>
+              <a:ext uri="{FF2B5EF4-FFF2-40B4-BE49-F238E27FC236}">
+                <a16:creationId xmlns:a16="http://schemas.microsoft.com/office/drawing/2014/main" id="{75EC7E0B-4FA5-445A-8E87-24F51F10151E}"/>
+              </a:ext>
+            </a:extLst>
+          </p:cNvPr>
+          <p:cNvPicPr>
+            <a:picLocks noChangeAspect="1" noChangeArrowheads="1"/>
+          </p:cNvPicPr>
+          <p:nvPr/>
+        </p:nvPicPr>
+        <p:blipFill>
+          <a:blip r:embed="rId3">
+            <a:extLst>
+              <a:ext uri="{28A0092B-C50C-407E-A947-70E740481C1C}">
+                <a14:useLocalDpi xmlns:a14="http://schemas.microsoft.com/office/drawing/2010/main" val="0"/>
+              </a:ext>
+            </a:extLst>
+          </a:blip>
+          <a:srcRect/>
+          <a:stretch>
+            <a:fillRect/>
+          </a:stretch>
+        </p:blipFill>
+        <p:spPr bwMode="auto">
+          <a:xfrm>
+            <a:off x="6793767" y="1891146"/>
+            <a:ext cx="4619456" cy="1745128"/>
+          </a:xfrm>
+          <a:prstGeom prst="rect">
+            <a:avLst/>
+          </a:prstGeom>
+          <a:noFill/>
+          <a:extLst>
+            <a:ext uri="{909E8E84-426E-40DD-AFC4-6F175D3DCCD1}">
+              <a14:hiddenFill xmlns:a14="http://schemas.microsoft.com/office/drawing/2010/main">
+                <a:solidFill>
+                  <a:srgbClr val="FFFFFF"/>
+                </a:solidFill>
+              </a14:hiddenFill>
+            </a:ext>
+          </a:extLst>
+        </p:spPr>
+      </p:pic>
+    </p:spTree>
+    <p:extLst>
+      <p:ext uri="{BB962C8B-B14F-4D97-AF65-F5344CB8AC3E}">
+        <p14:creationId xmlns:p14="http://schemas.microsoft.com/office/powerpoint/2010/main" val="3869590968"/>
+      </p:ext>
+    </p:extLst>
+  </p:cSld>
+  <p:clrMapOvr>
+    <a:masterClrMapping/>
+  </p:clrMapOvr>
+</p:sld>
+</file>
+
+<file path=ppt/slides/slide49.xml><?xml version="1.0" encoding="utf-8"?>
+<p:sld xmlns:a="http://schemas.openxmlformats.org/drawingml/2006/main" xmlns:r="http://schemas.openxmlformats.org/officeDocument/2006/relationships" xmlns:p="http://schemas.openxmlformats.org/presentationml/2006/main">
+  <p:cSld>
+    <p:spTree>
+      <p:nvGrpSpPr>
+        <p:cNvPr id="1" name=""/>
+        <p:cNvGrpSpPr/>
+        <p:nvPr/>
+      </p:nvGrpSpPr>
+      <p:grpSpPr>
+        <a:xfrm>
+          <a:off x="0" y="0"/>
+          <a:ext cx="0" cy="0"/>
+          <a:chOff x="0" y="0"/>
+          <a:chExt cx="0" cy="0"/>
+        </a:xfrm>
+      </p:grpSpPr>
+      <p:sp>
+        <p:nvSpPr>
+          <p:cNvPr id="2" name="Title 1">
+            <a:extLst>
+              <a:ext uri="{FF2B5EF4-FFF2-40B4-BE49-F238E27FC236}">
+                <a16:creationId xmlns:a16="http://schemas.microsoft.com/office/drawing/2014/main" id="{C4EB6D57-8F8F-4DC5-A3EC-21BA24E7DE6D}"/>
+              </a:ext>
+            </a:extLst>
+          </p:cNvPr>
+          <p:cNvSpPr>
+            <a:spLocks noGrp="1"/>
+          </p:cNvSpPr>
+          <p:nvPr>
+            <p:ph type="title"/>
+          </p:nvPr>
+        </p:nvSpPr>
+        <p:spPr>
+          <a:xfrm>
+            <a:off x="278085" y="112474"/>
+            <a:ext cx="4763698" cy="782876"/>
+          </a:xfrm>
+        </p:spPr>
+        <p:txBody>
+          <a:bodyPr/>
+          <a:lstStyle/>
+          <a:p>
+            <a:pPr algn="ctr"/>
+            <a:r>
+              <a:rPr lang="en-US" sz="6000" dirty="0" err="1"/>
+              <a:t>Diskusija</a:t>
+            </a:r>
+            <a:endParaRPr lang="sr-Latn-RS" sz="6000" dirty="0"/>
+          </a:p>
+        </p:txBody>
+      </p:sp>
+      <p:sp>
+        <p:nvSpPr>
+          <p:cNvPr id="4" name="Text Placeholder 3">
+            <a:extLst>
+              <a:ext uri="{FF2B5EF4-FFF2-40B4-BE49-F238E27FC236}">
+                <a16:creationId xmlns:a16="http://schemas.microsoft.com/office/drawing/2014/main" id="{6B1760FB-881C-4B92-BC60-0C103E072846}"/>
+              </a:ext>
+            </a:extLst>
+          </p:cNvPr>
+          <p:cNvSpPr>
+            <a:spLocks noGrp="1"/>
+          </p:cNvSpPr>
+          <p:nvPr>
+            <p:ph type="body" sz="half" idx="2"/>
+          </p:nvPr>
+        </p:nvSpPr>
+        <p:spPr>
+          <a:xfrm>
+            <a:off x="278085" y="1009825"/>
+            <a:ext cx="4448572" cy="4544636"/>
+          </a:xfrm>
+        </p:spPr>
+        <p:txBody>
+          <a:bodyPr>
+            <a:normAutofit/>
+          </a:bodyPr>
+          <a:lstStyle/>
+          <a:p>
+            <a:pPr marL="285750" indent="-285750">
+              <a:spcAft>
+                <a:spcPts val="0"/>
+              </a:spcAft>
+              <a:buFont typeface="Arial" panose="020B0604020202020204" pitchFamily="34" charset="0"/>
+              <a:buChar char="•"/>
+            </a:pPr>
+            <a:r>
+              <a:rPr lang="en-US" sz="2400" dirty="0"/>
+              <a:t>Redis</a:t>
+            </a:r>
+            <a:endParaRPr lang="sr-Latn-RS" sz="2400" dirty="0"/>
+          </a:p>
+          <a:p>
+            <a:pPr marL="285750" indent="-285750">
+              <a:spcAft>
+                <a:spcPts val="0"/>
+              </a:spcAft>
+              <a:buFont typeface="Arial" panose="020B0604020202020204" pitchFamily="34" charset="0"/>
+              <a:buChar char="•"/>
+            </a:pPr>
+            <a:r>
+              <a:rPr lang="sr-Latn-RS" sz="2400" dirty="0"/>
+              <a:t>MQTT</a:t>
+            </a:r>
+          </a:p>
+          <a:p>
+            <a:pPr marL="285750" indent="-285750">
+              <a:spcAft>
+                <a:spcPts val="0"/>
+              </a:spcAft>
+              <a:buFont typeface="Arial" panose="020B0604020202020204" pitchFamily="34" charset="0"/>
+              <a:buChar char="•"/>
+            </a:pPr>
+            <a:r>
+              <a:rPr lang="sr-Latn-RS" sz="2400" dirty="0"/>
+              <a:t>Kafka</a:t>
+            </a:r>
+          </a:p>
+          <a:p>
+            <a:pPr marL="742950" lvl="1" indent="-285750">
+              <a:spcAft>
+                <a:spcPts val="0"/>
+              </a:spcAft>
+              <a:buFont typeface="Arial" panose="020B0604020202020204" pitchFamily="34" charset="0"/>
+              <a:buChar char="•"/>
+            </a:pPr>
+            <a:r>
+              <a:rPr lang="sr-Latn-RS" sz="2000" dirty="0"/>
+              <a:t>Nema gubitka poruka</a:t>
+            </a:r>
+          </a:p>
+          <a:p>
+            <a:pPr marL="742950" lvl="1" indent="-285750">
+              <a:spcAft>
+                <a:spcPts val="0"/>
+              </a:spcAft>
+              <a:buFont typeface="Arial" panose="020B0604020202020204" pitchFamily="34" charset="0"/>
+              <a:buChar char="•"/>
+            </a:pPr>
+            <a:r>
+              <a:rPr lang="sr-Latn-RS" sz="2000" dirty="0"/>
+              <a:t>Spor</a:t>
+            </a:r>
+          </a:p>
+          <a:p>
+            <a:pPr marL="742950" lvl="1" indent="-285750">
+              <a:spcAft>
+                <a:spcPts val="0"/>
+              </a:spcAft>
+              <a:buFont typeface="Arial" panose="020B0604020202020204" pitchFamily="34" charset="0"/>
+              <a:buChar char="•"/>
+            </a:pPr>
+            <a:r>
+              <a:rPr lang="sr-Latn-RS" sz="2000" dirty="0"/>
+              <a:t>Klaster</a:t>
+            </a:r>
+            <a:endParaRPr lang="en-US" sz="2000" dirty="0"/>
+          </a:p>
+        </p:txBody>
+      </p:sp>
+      <p:sp>
+        <p:nvSpPr>
+          <p:cNvPr id="5" name="Footer Placeholder 4">
+            <a:extLst>
+              <a:ext uri="{FF2B5EF4-FFF2-40B4-BE49-F238E27FC236}">
+                <a16:creationId xmlns:a16="http://schemas.microsoft.com/office/drawing/2014/main" id="{5868A4EE-6667-41FC-9B37-C014FD82EF01}"/>
+              </a:ext>
+            </a:extLst>
+          </p:cNvPr>
+          <p:cNvSpPr>
+            <a:spLocks noGrp="1"/>
+          </p:cNvSpPr>
+          <p:nvPr>
+            <p:ph type="ftr" sz="quarter" idx="11"/>
+          </p:nvPr>
+        </p:nvSpPr>
+        <p:spPr/>
+        <p:txBody>
+          <a:bodyPr/>
+          <a:lstStyle/>
+          <a:p>
+            <a:r>
+              <a:rPr lang="en-US" i="1" dirty="0" err="1">
+                <a:latin typeface="Consolas" panose="020B0609020204030204" pitchFamily="49" charset="0"/>
+              </a:rPr>
+              <a:t>robii</a:t>
+            </a:r>
+            <a:endParaRPr lang="en-US" i="1" dirty="0">
+              <a:latin typeface="Consolas" panose="020B0609020204030204" pitchFamily="49" charset="0"/>
+            </a:endParaRPr>
+          </a:p>
+        </p:txBody>
+      </p:sp>
+      <p:pic>
+        <p:nvPicPr>
+          <p:cNvPr id="3" name="Picture 6" descr="Kafka Training in Brighton | Apache Kafka Training | FinTech Alliance">
+            <a:extLst>
+              <a:ext uri="{FF2B5EF4-FFF2-40B4-BE49-F238E27FC236}">
+                <a16:creationId xmlns:a16="http://schemas.microsoft.com/office/drawing/2014/main" id="{243C215D-6941-4D54-86A0-656E14E4C691}"/>
+              </a:ext>
+            </a:extLst>
+          </p:cNvPr>
+          <p:cNvPicPr>
+            <a:picLocks noChangeAspect="1" noChangeArrowheads="1"/>
+          </p:cNvPicPr>
+          <p:nvPr/>
+        </p:nvPicPr>
+        <p:blipFill>
+          <a:blip r:embed="rId3">
+            <a:extLst>
+              <a:ext uri="{28A0092B-C50C-407E-A947-70E740481C1C}">
+                <a14:useLocalDpi xmlns:a14="http://schemas.microsoft.com/office/drawing/2010/main" val="0"/>
+              </a:ext>
+            </a:extLst>
+          </a:blip>
+          <a:srcRect/>
+          <a:stretch>
+            <a:fillRect/>
+          </a:stretch>
+        </p:blipFill>
+        <p:spPr bwMode="auto">
+          <a:xfrm>
+            <a:off x="7072302" y="1696755"/>
+            <a:ext cx="4314688" cy="2157345"/>
+          </a:xfrm>
+          <a:prstGeom prst="rect">
+            <a:avLst/>
+          </a:prstGeom>
+          <a:noFill/>
+          <a:extLst>
+            <a:ext uri="{909E8E84-426E-40DD-AFC4-6F175D3DCCD1}">
+              <a14:hiddenFill xmlns:a14="http://schemas.microsoft.com/office/drawing/2010/main">
+                <a:solidFill>
+                  <a:srgbClr val="FFFFFF"/>
+                </a:solidFill>
+              </a14:hiddenFill>
+            </a:ext>
+          </a:extLst>
+        </p:spPr>
+      </p:pic>
+    </p:spTree>
+    <p:extLst>
+      <p:ext uri="{BB962C8B-B14F-4D97-AF65-F5344CB8AC3E}">
+        <p14:creationId xmlns:p14="http://schemas.microsoft.com/office/powerpoint/2010/main" val="3617909289"/>
+      </p:ext>
+    </p:extLst>
+  </p:cSld>
+  <p:clrMapOvr>
+    <a:masterClrMapping/>
+  </p:clrMapOvr>
+</p:sld>
+</file>
+
+<file path=ppt/slides/slide5.xml><?xml version="1.0" encoding="utf-8"?>
+<p:sld xmlns:a="http://schemas.openxmlformats.org/drawingml/2006/main" xmlns:r="http://schemas.openxmlformats.org/officeDocument/2006/relationships" xmlns:p="http://schemas.openxmlformats.org/presentationml/2006/main">
+  <p:cSld>
+    <p:spTree>
+      <p:nvGrpSpPr>
+        <p:cNvPr id="1" name=""/>
+        <p:cNvGrpSpPr/>
+        <p:nvPr/>
+      </p:nvGrpSpPr>
+      <p:grpSpPr>
+        <a:xfrm>
+          <a:off x="0" y="0"/>
+          <a:ext cx="0" cy="0"/>
+          <a:chOff x="0" y="0"/>
+          <a:chExt cx="0" cy="0"/>
+        </a:xfrm>
+      </p:grpSpPr>
+      <p:sp>
+        <p:nvSpPr>
+          <p:cNvPr id="2" name="Title 1">
+            <a:extLst>
+              <a:ext uri="{FF2B5EF4-FFF2-40B4-BE49-F238E27FC236}">
+                <a16:creationId xmlns:a16="http://schemas.microsoft.com/office/drawing/2014/main" id="{5ACA4FB8-7E9D-4786-9BBC-F49AF420A5BD}"/>
+              </a:ext>
+            </a:extLst>
+          </p:cNvPr>
+          <p:cNvSpPr>
+            <a:spLocks noGrp="1"/>
+          </p:cNvSpPr>
+          <p:nvPr>
+            <p:ph type="title"/>
+          </p:nvPr>
+        </p:nvSpPr>
+        <p:spPr>
+          <a:xfrm>
+            <a:off x="1828800" y="105030"/>
+            <a:ext cx="9601200" cy="1463040"/>
+          </a:xfrm>
+        </p:spPr>
+        <p:txBody>
+          <a:bodyPr>
+            <a:normAutofit/>
+          </a:bodyPr>
+          <a:lstStyle/>
+          <a:p>
+            <a:pPr algn="ctr"/>
+            <a:r>
+              <a:rPr lang="sv-SE" sz="4400" u="sng" dirty="0">
+                <a:solidFill>
+                  <a:schemeClr val="tx1"/>
+                </a:solidFill>
+                <a:latin typeface="Times New Roman" panose="02020603050405020304" pitchFamily="18" charset="0"/>
+                <a:cs typeface="Times New Roman" panose="02020603050405020304" pitchFamily="18" charset="0"/>
+              </a:rPr>
+              <a:t>Komunikacija u distribuiranim sistemima</a:t>
+            </a:r>
+            <a:br>
+              <a:rPr lang="sv-SE" sz="4400" dirty="0">
+                <a:solidFill>
+                  <a:schemeClr val="bg1">
+                    <a:lumMod val="50000"/>
+                  </a:schemeClr>
+                </a:solidFill>
+                <a:latin typeface="Times New Roman" panose="02020603050405020304" pitchFamily="18" charset="0"/>
+                <a:cs typeface="Times New Roman" panose="02020603050405020304" pitchFamily="18" charset="0"/>
+              </a:rPr>
+            </a:br>
+            <a:r>
+              <a:rPr lang="sv-SE" sz="4400" dirty="0">
+                <a:solidFill>
+                  <a:schemeClr val="bg1">
+                    <a:lumMod val="50000"/>
+                  </a:schemeClr>
+                </a:solidFill>
+                <a:latin typeface="Times New Roman" panose="02020603050405020304" pitchFamily="18" charset="0"/>
+                <a:cs typeface="Times New Roman" panose="02020603050405020304" pitchFamily="18" charset="0"/>
+              </a:rPr>
+              <a:t>orijentisana porukama</a:t>
+            </a:r>
+            <a:endParaRPr lang="sr-Latn-RS" u="sng" dirty="0">
+              <a:solidFill>
+                <a:schemeClr val="bg1">
+                  <a:lumMod val="50000"/>
+                </a:schemeClr>
+              </a:solidFill>
+            </a:endParaRPr>
+          </a:p>
+        </p:txBody>
+      </p:sp>
+      <p:sp>
+        <p:nvSpPr>
+          <p:cNvPr id="3" name="Content Placeholder 2">
+            <a:extLst>
+              <a:ext uri="{FF2B5EF4-FFF2-40B4-BE49-F238E27FC236}">
+                <a16:creationId xmlns:a16="http://schemas.microsoft.com/office/drawing/2014/main" id="{154B85BB-956C-4FAC-87EA-FEA8BEC1100C}"/>
+              </a:ext>
+            </a:extLst>
+          </p:cNvPr>
+          <p:cNvSpPr>
+            <a:spLocks noGrp="1"/>
+          </p:cNvSpPr>
+          <p:nvPr>
+            <p:ph idx="1"/>
+          </p:nvPr>
+        </p:nvSpPr>
+        <p:spPr>
+          <a:xfrm>
+            <a:off x="1295400" y="1448503"/>
+            <a:ext cx="9601200" cy="5084033"/>
+          </a:xfrm>
+        </p:spPr>
+        <p:txBody>
+          <a:bodyPr>
+            <a:normAutofit/>
+          </a:bodyPr>
+          <a:lstStyle/>
+          <a:p>
+            <a:r>
+              <a:rPr lang="sr-Latn-RS" sz="2400" dirty="0"/>
+              <a:t>Distribucija sistema</a:t>
+            </a:r>
+          </a:p>
+          <a:p>
+            <a:r>
+              <a:rPr lang="sr-Latn-RS" sz="2400" dirty="0"/>
+              <a:t>Komunikacija</a:t>
+            </a:r>
+          </a:p>
+        </p:txBody>
+      </p:sp>
+      <p:sp>
+        <p:nvSpPr>
+          <p:cNvPr id="6" name="Footer Placeholder 3">
+            <a:extLst>
+              <a:ext uri="{FF2B5EF4-FFF2-40B4-BE49-F238E27FC236}">
+                <a16:creationId xmlns:a16="http://schemas.microsoft.com/office/drawing/2014/main" id="{85EAE0D5-9F56-454A-BB39-BA8D579FBF11}"/>
+              </a:ext>
+            </a:extLst>
+          </p:cNvPr>
+          <p:cNvSpPr>
+            <a:spLocks noGrp="1"/>
+          </p:cNvSpPr>
+          <p:nvPr>
+            <p:ph type="ftr" sz="quarter" idx="11"/>
+          </p:nvPr>
+        </p:nvSpPr>
+        <p:spPr>
+          <a:xfrm>
+            <a:off x="2955585" y="6412969"/>
+            <a:ext cx="6280830" cy="404614"/>
+          </a:xfrm>
+        </p:spPr>
+        <p:txBody>
+          <a:bodyPr/>
+          <a:lstStyle/>
+          <a:p>
+            <a:pPr algn="ctr"/>
+            <a:r>
+              <a:rPr lang="en-US" sz="1100" i="1" dirty="0" err="1">
+                <a:solidFill>
+                  <a:schemeClr val="bg1">
+                    <a:lumMod val="50000"/>
+                  </a:schemeClr>
+                </a:solidFill>
+                <a:latin typeface="Consolas" panose="020B0609020204030204" pitchFamily="49" charset="0"/>
+              </a:rPr>
+              <a:t>robii</a:t>
+            </a:r>
+            <a:endParaRPr lang="en-US" sz="1100" i="1" dirty="0">
+              <a:solidFill>
+                <a:schemeClr val="bg1">
+                  <a:lumMod val="50000"/>
+                </a:schemeClr>
+              </a:solidFill>
+              <a:latin typeface="Consolas" panose="020B0609020204030204" pitchFamily="49" charset="0"/>
+            </a:endParaRPr>
+          </a:p>
+        </p:txBody>
+      </p:sp>
+      <p:pic>
+        <p:nvPicPr>
+          <p:cNvPr id="5" name="Picture 4">
+            <a:extLst>
+              <a:ext uri="{FF2B5EF4-FFF2-40B4-BE49-F238E27FC236}">
+                <a16:creationId xmlns:a16="http://schemas.microsoft.com/office/drawing/2014/main" id="{0256EEDF-ED55-458B-8B40-CA3C014819D0}"/>
+              </a:ext>
+            </a:extLst>
+          </p:cNvPr>
+          <p:cNvPicPr>
+            <a:picLocks noChangeAspect="1"/>
+          </p:cNvPicPr>
+          <p:nvPr/>
+        </p:nvPicPr>
+        <p:blipFill>
+          <a:blip r:embed="rId3"/>
+          <a:stretch>
+            <a:fillRect/>
+          </a:stretch>
+        </p:blipFill>
+        <p:spPr>
+          <a:xfrm>
+            <a:off x="7092566" y="2020321"/>
+            <a:ext cx="4287698" cy="3940395"/>
+          </a:xfrm>
+          <a:prstGeom prst="rect">
+            <a:avLst/>
+          </a:prstGeom>
+        </p:spPr>
+      </p:pic>
+    </p:spTree>
+    <p:extLst>
+      <p:ext uri="{BB962C8B-B14F-4D97-AF65-F5344CB8AC3E}">
+        <p14:creationId xmlns:p14="http://schemas.microsoft.com/office/powerpoint/2010/main" val="2702079614"/>
+      </p:ext>
+    </p:extLst>
+  </p:cSld>
+  <p:clrMapOvr>
+    <a:masterClrMapping/>
+  </p:clrMapOvr>
+</p:sld>
+</file>
+
+<file path=ppt/slides/slide50.xml><?xml version="1.0" encoding="utf-8"?>
+<p:sld xmlns:a="http://schemas.openxmlformats.org/drawingml/2006/main" xmlns:r="http://schemas.openxmlformats.org/officeDocument/2006/relationships" xmlns:p="http://schemas.openxmlformats.org/presentationml/2006/main">
+  <p:cSld>
+    <p:spTree>
+      <p:nvGrpSpPr>
+        <p:cNvPr id="1" name=""/>
+        <p:cNvGrpSpPr/>
+        <p:nvPr/>
+      </p:nvGrpSpPr>
+      <p:grpSpPr>
+        <a:xfrm>
+          <a:off x="0" y="0"/>
+          <a:ext cx="0" cy="0"/>
+          <a:chOff x="0" y="0"/>
+          <a:chExt cx="0" cy="0"/>
+        </a:xfrm>
+      </p:grpSpPr>
+      <p:sp>
+        <p:nvSpPr>
+          <p:cNvPr id="2" name="Title 1">
+            <a:extLst>
+              <a:ext uri="{FF2B5EF4-FFF2-40B4-BE49-F238E27FC236}">
+                <a16:creationId xmlns:a16="http://schemas.microsoft.com/office/drawing/2014/main" id="{C4EB6D57-8F8F-4DC5-A3EC-21BA24E7DE6D}"/>
+              </a:ext>
+            </a:extLst>
+          </p:cNvPr>
+          <p:cNvSpPr>
+            <a:spLocks noGrp="1"/>
+          </p:cNvSpPr>
+          <p:nvPr>
+            <p:ph type="title"/>
+          </p:nvPr>
+        </p:nvSpPr>
+        <p:spPr>
+          <a:xfrm>
+            <a:off x="278085" y="112474"/>
+            <a:ext cx="4763698" cy="782876"/>
+          </a:xfrm>
+        </p:spPr>
+        <p:txBody>
+          <a:bodyPr/>
+          <a:lstStyle/>
+          <a:p>
+            <a:pPr algn="ctr"/>
+            <a:r>
+              <a:rPr lang="en-US" sz="6000" dirty="0" err="1"/>
+              <a:t>Diskusija</a:t>
+            </a:r>
+            <a:endParaRPr lang="sr-Latn-RS" sz="6000" dirty="0"/>
+          </a:p>
+        </p:txBody>
+      </p:sp>
+      <p:sp>
+        <p:nvSpPr>
+          <p:cNvPr id="4" name="Text Placeholder 3">
+            <a:extLst>
+              <a:ext uri="{FF2B5EF4-FFF2-40B4-BE49-F238E27FC236}">
+                <a16:creationId xmlns:a16="http://schemas.microsoft.com/office/drawing/2014/main" id="{6B1760FB-881C-4B92-BC60-0C103E072846}"/>
+              </a:ext>
+            </a:extLst>
+          </p:cNvPr>
+          <p:cNvSpPr>
+            <a:spLocks noGrp="1"/>
+          </p:cNvSpPr>
+          <p:nvPr>
+            <p:ph type="body" sz="half" idx="2"/>
+          </p:nvPr>
+        </p:nvSpPr>
+        <p:spPr>
+          <a:xfrm>
+            <a:off x="278085" y="953020"/>
+            <a:ext cx="7889170" cy="4544636"/>
+          </a:xfrm>
+        </p:spPr>
+        <p:txBody>
+          <a:bodyPr>
+            <a:normAutofit/>
+          </a:bodyPr>
+          <a:lstStyle/>
+          <a:p>
+            <a:pPr marL="285750" indent="-285750">
+              <a:spcAft>
+                <a:spcPts val="0"/>
+              </a:spcAft>
+              <a:buFont typeface="Arial" panose="020B0604020202020204" pitchFamily="34" charset="0"/>
+              <a:buChar char="•"/>
+            </a:pPr>
+            <a:r>
+              <a:rPr lang="en-US" sz="2400" dirty="0"/>
+              <a:t>Redis</a:t>
+            </a:r>
+            <a:endParaRPr lang="sr-Latn-RS" sz="2400" dirty="0"/>
+          </a:p>
+          <a:p>
+            <a:pPr marL="285750" indent="-285750">
+              <a:spcAft>
+                <a:spcPts val="0"/>
+              </a:spcAft>
+              <a:buFont typeface="Arial" panose="020B0604020202020204" pitchFamily="34" charset="0"/>
+              <a:buChar char="•"/>
+            </a:pPr>
+            <a:r>
+              <a:rPr lang="sr-Latn-RS" sz="2400" dirty="0"/>
+              <a:t>MQTT</a:t>
+            </a:r>
+          </a:p>
+          <a:p>
+            <a:pPr marL="285750" indent="-285750">
+              <a:spcAft>
+                <a:spcPts val="0"/>
+              </a:spcAft>
+              <a:buFont typeface="Arial" panose="020B0604020202020204" pitchFamily="34" charset="0"/>
+              <a:buChar char="•"/>
+            </a:pPr>
+            <a:r>
+              <a:rPr lang="sr-Latn-RS" sz="2400" dirty="0"/>
+              <a:t>Kafka</a:t>
+            </a:r>
+          </a:p>
+          <a:p>
+            <a:pPr marL="285750" indent="-285750">
+              <a:spcAft>
+                <a:spcPts val="0"/>
+              </a:spcAft>
+              <a:buFont typeface="Arial" panose="020B0604020202020204" pitchFamily="34" charset="0"/>
+              <a:buChar char="•"/>
+            </a:pPr>
+            <a:r>
+              <a:rPr lang="sr-Latn-RS" sz="2400" i="1" dirty="0"/>
+              <a:t>„</a:t>
+            </a:r>
+            <a:r>
+              <a:rPr lang="sr-Latn-RS" sz="2400" i="1" dirty="0" err="1"/>
+              <a:t>Use</a:t>
+            </a:r>
+            <a:r>
+              <a:rPr lang="sr-Latn-RS" sz="2400" i="1" dirty="0"/>
+              <a:t> </a:t>
+            </a:r>
+            <a:r>
+              <a:rPr lang="sr-Latn-RS" sz="2400" i="1" dirty="0" err="1"/>
+              <a:t>the</a:t>
+            </a:r>
+            <a:r>
+              <a:rPr lang="sr-Latn-RS" sz="2400" i="1" dirty="0"/>
+              <a:t> </a:t>
+            </a:r>
+            <a:r>
+              <a:rPr lang="sr-Latn-RS" sz="2400" i="1" dirty="0" err="1"/>
+              <a:t>right</a:t>
+            </a:r>
+            <a:r>
+              <a:rPr lang="sr-Latn-RS" sz="2400" i="1" dirty="0"/>
+              <a:t> </a:t>
+            </a:r>
+            <a:r>
+              <a:rPr lang="sr-Latn-RS" sz="2400" i="1" dirty="0" err="1"/>
+              <a:t>tools</a:t>
+            </a:r>
+            <a:r>
+              <a:rPr lang="sr-Latn-RS" sz="2400" i="1" dirty="0"/>
+              <a:t> </a:t>
+            </a:r>
+            <a:br>
+              <a:rPr lang="sr-Latn-RS" sz="2400" i="1" dirty="0"/>
+            </a:br>
+            <a:r>
+              <a:rPr lang="sr-Latn-RS" sz="2400" i="1" dirty="0"/>
+              <a:t>to do </a:t>
+            </a:r>
+            <a:r>
+              <a:rPr lang="sr-Latn-RS" sz="2400" i="1" dirty="0" err="1"/>
+              <a:t>the</a:t>
+            </a:r>
+            <a:r>
+              <a:rPr lang="sr-Latn-RS" sz="2400" i="1" dirty="0"/>
+              <a:t> </a:t>
+            </a:r>
+            <a:r>
+              <a:rPr lang="sr-Latn-RS" sz="2400" i="1" dirty="0" err="1"/>
+              <a:t>right</a:t>
+            </a:r>
+            <a:r>
+              <a:rPr lang="sr-Latn-RS" sz="2400" i="1" dirty="0"/>
+              <a:t> </a:t>
+            </a:r>
+            <a:r>
+              <a:rPr lang="sr-Latn-RS" sz="2400" i="1" dirty="0" err="1"/>
+              <a:t>job</a:t>
+            </a:r>
+            <a:r>
+              <a:rPr lang="sr-Latn-RS" sz="2400" i="1" dirty="0"/>
+              <a:t>“</a:t>
+            </a:r>
+          </a:p>
+        </p:txBody>
+      </p:sp>
+      <p:sp>
+        <p:nvSpPr>
+          <p:cNvPr id="5" name="Footer Placeholder 4">
+            <a:extLst>
+              <a:ext uri="{FF2B5EF4-FFF2-40B4-BE49-F238E27FC236}">
+                <a16:creationId xmlns:a16="http://schemas.microsoft.com/office/drawing/2014/main" id="{5868A4EE-6667-41FC-9B37-C014FD82EF01}"/>
+              </a:ext>
+            </a:extLst>
+          </p:cNvPr>
+          <p:cNvSpPr>
+            <a:spLocks noGrp="1"/>
+          </p:cNvSpPr>
+          <p:nvPr>
+            <p:ph type="ftr" sz="quarter" idx="11"/>
+          </p:nvPr>
+        </p:nvSpPr>
+        <p:spPr/>
+        <p:txBody>
+          <a:bodyPr/>
+          <a:lstStyle/>
+          <a:p>
+            <a:r>
+              <a:rPr lang="en-US" i="1" dirty="0" err="1">
+                <a:latin typeface="Consolas" panose="020B0609020204030204" pitchFamily="49" charset="0"/>
+              </a:rPr>
+              <a:t>robii</a:t>
+            </a:r>
+            <a:endParaRPr lang="en-US" i="1" dirty="0">
+              <a:latin typeface="Consolas" panose="020B0609020204030204" pitchFamily="49" charset="0"/>
+            </a:endParaRPr>
+          </a:p>
+        </p:txBody>
+      </p:sp>
+    </p:spTree>
+    <p:extLst>
+      <p:ext uri="{BB962C8B-B14F-4D97-AF65-F5344CB8AC3E}">
+        <p14:creationId xmlns:p14="http://schemas.microsoft.com/office/powerpoint/2010/main" val="3296952826"/>
+      </p:ext>
+    </p:extLst>
+  </p:cSld>
+  <p:clrMapOvr>
+    <a:masterClrMapping/>
+  </p:clrMapOvr>
+</p:sld>
+</file>
+
+<file path=ppt/slides/slide51.xml><?xml version="1.0" encoding="utf-8"?>
+<p:sld xmlns:a="http://schemas.openxmlformats.org/drawingml/2006/main" xmlns:r="http://schemas.openxmlformats.org/officeDocument/2006/relationships" xmlns:p="http://schemas.openxmlformats.org/presentationml/2006/main">
+  <p:cSld>
+    <p:spTree>
+      <p:nvGrpSpPr>
+        <p:cNvPr id="1" name=""/>
+        <p:cNvGrpSpPr/>
+        <p:nvPr/>
+      </p:nvGrpSpPr>
+      <p:grpSpPr>
+        <a:xfrm>
+          <a:off x="0" y="0"/>
+          <a:ext cx="0" cy="0"/>
+          <a:chOff x="0" y="0"/>
+          <a:chExt cx="0" cy="0"/>
+        </a:xfrm>
+      </p:grpSpPr>
+      <p:sp>
+        <p:nvSpPr>
+          <p:cNvPr id="2" name="Title 1">
+            <a:extLst>
+              <a:ext uri="{FF2B5EF4-FFF2-40B4-BE49-F238E27FC236}">
+                <a16:creationId xmlns:a16="http://schemas.microsoft.com/office/drawing/2014/main" id="{C4EB6D57-8F8F-4DC5-A3EC-21BA24E7DE6D}"/>
+              </a:ext>
+            </a:extLst>
+          </p:cNvPr>
+          <p:cNvSpPr>
+            <a:spLocks noGrp="1"/>
+          </p:cNvSpPr>
+          <p:nvPr>
+            <p:ph type="title"/>
+          </p:nvPr>
+        </p:nvSpPr>
+        <p:spPr>
+          <a:xfrm>
+            <a:off x="278085" y="112474"/>
+            <a:ext cx="4763698" cy="782876"/>
+          </a:xfrm>
+        </p:spPr>
+        <p:txBody>
+          <a:bodyPr/>
+          <a:lstStyle/>
+          <a:p>
+            <a:pPr algn="ctr"/>
+            <a:r>
+              <a:rPr lang="en-US" sz="6000" dirty="0" err="1"/>
+              <a:t>Diskusija</a:t>
+            </a:r>
+            <a:endParaRPr lang="sr-Latn-RS" sz="6000" dirty="0"/>
+          </a:p>
+        </p:txBody>
+      </p:sp>
+      <p:sp>
+        <p:nvSpPr>
+          <p:cNvPr id="4" name="Text Placeholder 3">
+            <a:extLst>
+              <a:ext uri="{FF2B5EF4-FFF2-40B4-BE49-F238E27FC236}">
+                <a16:creationId xmlns:a16="http://schemas.microsoft.com/office/drawing/2014/main" id="{6B1760FB-881C-4B92-BC60-0C103E072846}"/>
+              </a:ext>
+            </a:extLst>
+          </p:cNvPr>
+          <p:cNvSpPr>
+            <a:spLocks noGrp="1"/>
+          </p:cNvSpPr>
+          <p:nvPr>
+            <p:ph type="body" sz="half" idx="2"/>
+          </p:nvPr>
+        </p:nvSpPr>
+        <p:spPr>
+          <a:xfrm>
+            <a:off x="278085" y="953020"/>
+            <a:ext cx="7889170" cy="4544636"/>
+          </a:xfrm>
+        </p:spPr>
+        <p:txBody>
+          <a:bodyPr>
+            <a:normAutofit/>
+          </a:bodyPr>
+          <a:lstStyle/>
+          <a:p>
+            <a:pPr marL="285750" indent="-285750">
+              <a:spcAft>
+                <a:spcPts val="0"/>
+              </a:spcAft>
+              <a:buFont typeface="Arial" panose="020B0604020202020204" pitchFamily="34" charset="0"/>
+              <a:buChar char="•"/>
+            </a:pPr>
+            <a:r>
+              <a:rPr lang="en-US" sz="2400" dirty="0"/>
+              <a:t>Redis</a:t>
+            </a:r>
+            <a:endParaRPr lang="sr-Latn-RS" sz="2400" dirty="0"/>
+          </a:p>
+          <a:p>
+            <a:pPr marL="285750" indent="-285750">
+              <a:spcAft>
+                <a:spcPts val="0"/>
+              </a:spcAft>
+              <a:buFont typeface="Arial" panose="020B0604020202020204" pitchFamily="34" charset="0"/>
+              <a:buChar char="•"/>
+            </a:pPr>
+            <a:r>
+              <a:rPr lang="sr-Latn-RS" sz="2400" dirty="0"/>
+              <a:t>MQTT</a:t>
+            </a:r>
+          </a:p>
+          <a:p>
+            <a:pPr marL="285750" indent="-285750">
+              <a:spcAft>
+                <a:spcPts val="0"/>
+              </a:spcAft>
+              <a:buFont typeface="Arial" panose="020B0604020202020204" pitchFamily="34" charset="0"/>
+              <a:buChar char="•"/>
+            </a:pPr>
+            <a:r>
+              <a:rPr lang="sr-Latn-RS" sz="2400" dirty="0"/>
+              <a:t>Kafka</a:t>
+            </a:r>
+          </a:p>
+          <a:p>
+            <a:pPr marL="285750" indent="-285750">
+              <a:spcAft>
+                <a:spcPts val="0"/>
+              </a:spcAft>
+              <a:buFont typeface="Arial" panose="020B0604020202020204" pitchFamily="34" charset="0"/>
+              <a:buChar char="•"/>
+            </a:pPr>
+            <a:r>
+              <a:rPr lang="sr-Latn-RS" sz="2400" i="1" dirty="0"/>
+              <a:t>„</a:t>
+            </a:r>
+            <a:r>
+              <a:rPr lang="sr-Latn-RS" sz="2400" i="1" dirty="0" err="1"/>
+              <a:t>Use</a:t>
+            </a:r>
+            <a:r>
+              <a:rPr lang="sr-Latn-RS" sz="2400" i="1" dirty="0"/>
+              <a:t> </a:t>
+            </a:r>
+            <a:r>
+              <a:rPr lang="sr-Latn-RS" sz="2400" i="1" dirty="0" err="1"/>
+              <a:t>the</a:t>
+            </a:r>
+            <a:r>
+              <a:rPr lang="sr-Latn-RS" sz="2400" i="1" dirty="0"/>
+              <a:t> </a:t>
+            </a:r>
+            <a:r>
+              <a:rPr lang="sr-Latn-RS" sz="2400" i="1" dirty="0" err="1"/>
+              <a:t>right</a:t>
+            </a:r>
+            <a:r>
+              <a:rPr lang="sr-Latn-RS" sz="2400" i="1" dirty="0"/>
+              <a:t> </a:t>
+            </a:r>
+            <a:r>
+              <a:rPr lang="sr-Latn-RS" sz="2400" i="1" dirty="0" err="1"/>
+              <a:t>tools</a:t>
+            </a:r>
+            <a:r>
+              <a:rPr lang="sr-Latn-RS" sz="2400" i="1" dirty="0"/>
+              <a:t> </a:t>
+            </a:r>
+            <a:br>
+              <a:rPr lang="sr-Latn-RS" sz="2400" i="1" dirty="0"/>
+            </a:br>
+            <a:r>
+              <a:rPr lang="sr-Latn-RS" sz="2400" i="1" dirty="0"/>
+              <a:t>to do </a:t>
+            </a:r>
+            <a:r>
+              <a:rPr lang="sr-Latn-RS" sz="2400" i="1" dirty="0" err="1"/>
+              <a:t>the</a:t>
+            </a:r>
+            <a:r>
+              <a:rPr lang="sr-Latn-RS" sz="2400" i="1" dirty="0"/>
+              <a:t> </a:t>
+            </a:r>
+            <a:r>
+              <a:rPr lang="sr-Latn-RS" sz="2400" i="1" dirty="0" err="1"/>
+              <a:t>right</a:t>
+            </a:r>
+            <a:r>
+              <a:rPr lang="sr-Latn-RS" sz="2400" i="1" dirty="0"/>
+              <a:t> </a:t>
+            </a:r>
+            <a:r>
+              <a:rPr lang="sr-Latn-RS" sz="2400" i="1" dirty="0" err="1"/>
+              <a:t>job</a:t>
+            </a:r>
+            <a:r>
+              <a:rPr lang="sr-Latn-RS" sz="2400" i="1" dirty="0"/>
+              <a:t>“</a:t>
+            </a:r>
+          </a:p>
+          <a:p>
+            <a:pPr marL="285750" indent="-285750">
+              <a:spcAft>
+                <a:spcPts val="0"/>
+              </a:spcAft>
+              <a:buFont typeface="Arial" panose="020B0604020202020204" pitchFamily="34" charset="0"/>
+              <a:buChar char="•"/>
+            </a:pPr>
+            <a:r>
+              <a:rPr lang="sr-Latn-RS" sz="2400" dirty="0"/>
+              <a:t>Zaista granica brokera?</a:t>
+            </a:r>
+          </a:p>
+        </p:txBody>
+      </p:sp>
+      <p:sp>
+        <p:nvSpPr>
+          <p:cNvPr id="5" name="Footer Placeholder 4">
+            <a:extLst>
+              <a:ext uri="{FF2B5EF4-FFF2-40B4-BE49-F238E27FC236}">
+                <a16:creationId xmlns:a16="http://schemas.microsoft.com/office/drawing/2014/main" id="{5868A4EE-6667-41FC-9B37-C014FD82EF01}"/>
+              </a:ext>
+            </a:extLst>
+          </p:cNvPr>
+          <p:cNvSpPr>
+            <a:spLocks noGrp="1"/>
+          </p:cNvSpPr>
+          <p:nvPr>
+            <p:ph type="ftr" sz="quarter" idx="11"/>
+          </p:nvPr>
+        </p:nvSpPr>
+        <p:spPr/>
+        <p:txBody>
+          <a:bodyPr/>
+          <a:lstStyle/>
+          <a:p>
+            <a:r>
+              <a:rPr lang="en-US" i="1" dirty="0" err="1">
+                <a:latin typeface="Consolas" panose="020B0609020204030204" pitchFamily="49" charset="0"/>
+              </a:rPr>
+              <a:t>robii</a:t>
+            </a:r>
+            <a:endParaRPr lang="en-US" i="1" dirty="0">
+              <a:latin typeface="Consolas" panose="020B0609020204030204" pitchFamily="49" charset="0"/>
+            </a:endParaRPr>
+          </a:p>
+        </p:txBody>
+      </p:sp>
+    </p:spTree>
+    <p:extLst>
+      <p:ext uri="{BB962C8B-B14F-4D97-AF65-F5344CB8AC3E}">
+        <p14:creationId xmlns:p14="http://schemas.microsoft.com/office/powerpoint/2010/main" val="4168216469"/>
+      </p:ext>
+    </p:extLst>
+  </p:cSld>
+  <p:clrMapOvr>
+    <a:masterClrMapping/>
+  </p:clrMapOvr>
+</p:sld>
+</file>
+
+<file path=ppt/slides/slide52.xml><?xml version="1.0" encoding="utf-8"?>
+<p:sld xmlns:a="http://schemas.openxmlformats.org/drawingml/2006/main" xmlns:r="http://schemas.openxmlformats.org/officeDocument/2006/relationships" xmlns:p="http://schemas.openxmlformats.org/presentationml/2006/main">
+  <p:cSld>
+    <p:spTree>
+      <p:nvGrpSpPr>
+        <p:cNvPr id="1" name=""/>
+        <p:cNvGrpSpPr/>
+        <p:nvPr/>
+      </p:nvGrpSpPr>
+      <p:grpSpPr>
+        <a:xfrm>
+          <a:off x="0" y="0"/>
+          <a:ext cx="0" cy="0"/>
+          <a:chOff x="0" y="0"/>
+          <a:chExt cx="0" cy="0"/>
+        </a:xfrm>
+      </p:grpSpPr>
+      <p:sp>
+        <p:nvSpPr>
+          <p:cNvPr id="2" name="Title 1">
+            <a:extLst>
+              <a:ext uri="{FF2B5EF4-FFF2-40B4-BE49-F238E27FC236}">
+                <a16:creationId xmlns:a16="http://schemas.microsoft.com/office/drawing/2014/main" id="{C4EB6D57-8F8F-4DC5-A3EC-21BA24E7DE6D}"/>
+              </a:ext>
+            </a:extLst>
+          </p:cNvPr>
+          <p:cNvSpPr>
+            <a:spLocks noGrp="1"/>
+          </p:cNvSpPr>
+          <p:nvPr>
+            <p:ph type="title"/>
+          </p:nvPr>
+        </p:nvSpPr>
+        <p:spPr>
+          <a:xfrm>
+            <a:off x="278085" y="112474"/>
+            <a:ext cx="4763698" cy="782876"/>
+          </a:xfrm>
+        </p:spPr>
+        <p:txBody>
+          <a:bodyPr/>
+          <a:lstStyle/>
+          <a:p>
+            <a:pPr algn="ctr"/>
+            <a:r>
+              <a:rPr lang="en-US" sz="6000" dirty="0" err="1"/>
+              <a:t>Diskusija</a:t>
+            </a:r>
+            <a:endParaRPr lang="sr-Latn-RS" sz="6000" dirty="0"/>
+          </a:p>
+        </p:txBody>
+      </p:sp>
+      <p:sp>
+        <p:nvSpPr>
+          <p:cNvPr id="4" name="Text Placeholder 3">
+            <a:extLst>
+              <a:ext uri="{FF2B5EF4-FFF2-40B4-BE49-F238E27FC236}">
+                <a16:creationId xmlns:a16="http://schemas.microsoft.com/office/drawing/2014/main" id="{6B1760FB-881C-4B92-BC60-0C103E072846}"/>
+              </a:ext>
+            </a:extLst>
+          </p:cNvPr>
+          <p:cNvSpPr>
+            <a:spLocks noGrp="1"/>
+          </p:cNvSpPr>
+          <p:nvPr>
+            <p:ph type="body" sz="half" idx="2"/>
+          </p:nvPr>
+        </p:nvSpPr>
+        <p:spPr>
+          <a:xfrm>
+            <a:off x="278085" y="953020"/>
+            <a:ext cx="7889170" cy="4544636"/>
+          </a:xfrm>
+        </p:spPr>
+        <p:txBody>
+          <a:bodyPr>
+            <a:normAutofit/>
+          </a:bodyPr>
+          <a:lstStyle/>
+          <a:p>
+            <a:pPr marL="285750" indent="-285750">
+              <a:spcAft>
+                <a:spcPts val="0"/>
+              </a:spcAft>
+              <a:buFont typeface="Arial" panose="020B0604020202020204" pitchFamily="34" charset="0"/>
+              <a:buChar char="•"/>
+            </a:pPr>
+            <a:r>
+              <a:rPr lang="en-US" sz="2400" dirty="0"/>
+              <a:t>Redis</a:t>
+            </a:r>
+            <a:endParaRPr lang="sr-Latn-RS" sz="2400" dirty="0"/>
+          </a:p>
+          <a:p>
+            <a:pPr marL="285750" indent="-285750">
+              <a:spcAft>
+                <a:spcPts val="0"/>
+              </a:spcAft>
+              <a:buFont typeface="Arial" panose="020B0604020202020204" pitchFamily="34" charset="0"/>
+              <a:buChar char="•"/>
+            </a:pPr>
+            <a:r>
+              <a:rPr lang="sr-Latn-RS" sz="2400" dirty="0"/>
+              <a:t>MQTT</a:t>
+            </a:r>
+          </a:p>
+          <a:p>
+            <a:pPr marL="285750" indent="-285750">
+              <a:spcAft>
+                <a:spcPts val="0"/>
+              </a:spcAft>
+              <a:buFont typeface="Arial" panose="020B0604020202020204" pitchFamily="34" charset="0"/>
+              <a:buChar char="•"/>
+            </a:pPr>
+            <a:r>
+              <a:rPr lang="sr-Latn-RS" sz="2400" dirty="0"/>
+              <a:t>Kafka</a:t>
+            </a:r>
+          </a:p>
+          <a:p>
+            <a:pPr marL="285750" indent="-285750">
+              <a:spcAft>
+                <a:spcPts val="0"/>
+              </a:spcAft>
+              <a:buFont typeface="Arial" panose="020B0604020202020204" pitchFamily="34" charset="0"/>
+              <a:buChar char="•"/>
+            </a:pPr>
+            <a:r>
+              <a:rPr lang="sr-Latn-RS" sz="2400" i="1" dirty="0"/>
+              <a:t>„</a:t>
+            </a:r>
+            <a:r>
+              <a:rPr lang="sr-Latn-RS" sz="2400" i="1" dirty="0" err="1"/>
+              <a:t>Use</a:t>
+            </a:r>
+            <a:r>
+              <a:rPr lang="sr-Latn-RS" sz="2400" i="1" dirty="0"/>
+              <a:t> </a:t>
+            </a:r>
+            <a:r>
+              <a:rPr lang="sr-Latn-RS" sz="2400" i="1" dirty="0" err="1"/>
+              <a:t>the</a:t>
+            </a:r>
+            <a:r>
+              <a:rPr lang="sr-Latn-RS" sz="2400" i="1" dirty="0"/>
+              <a:t> </a:t>
+            </a:r>
+            <a:r>
+              <a:rPr lang="sr-Latn-RS" sz="2400" i="1" dirty="0" err="1"/>
+              <a:t>right</a:t>
+            </a:r>
+            <a:r>
+              <a:rPr lang="sr-Latn-RS" sz="2400" i="1" dirty="0"/>
+              <a:t> </a:t>
+            </a:r>
+            <a:r>
+              <a:rPr lang="sr-Latn-RS" sz="2400" i="1" dirty="0" err="1"/>
+              <a:t>tools</a:t>
+            </a:r>
+            <a:r>
+              <a:rPr lang="sr-Latn-RS" sz="2400" i="1" dirty="0"/>
+              <a:t> </a:t>
+            </a:r>
+            <a:br>
+              <a:rPr lang="sr-Latn-RS" sz="2400" i="1" dirty="0"/>
+            </a:br>
+            <a:r>
+              <a:rPr lang="sr-Latn-RS" sz="2400" i="1" dirty="0"/>
+              <a:t>to do </a:t>
+            </a:r>
+            <a:r>
+              <a:rPr lang="sr-Latn-RS" sz="2400" i="1" dirty="0" err="1"/>
+              <a:t>the</a:t>
+            </a:r>
+            <a:r>
+              <a:rPr lang="sr-Latn-RS" sz="2400" i="1" dirty="0"/>
+              <a:t> </a:t>
+            </a:r>
+            <a:r>
+              <a:rPr lang="sr-Latn-RS" sz="2400" i="1" dirty="0" err="1"/>
+              <a:t>right</a:t>
+            </a:r>
+            <a:r>
+              <a:rPr lang="sr-Latn-RS" sz="2400" i="1" dirty="0"/>
+              <a:t> </a:t>
+            </a:r>
+            <a:r>
+              <a:rPr lang="sr-Latn-RS" sz="2400" i="1" dirty="0" err="1"/>
+              <a:t>job</a:t>
+            </a:r>
+            <a:r>
+              <a:rPr lang="sr-Latn-RS" sz="2400" i="1" dirty="0"/>
+              <a:t>“</a:t>
+            </a:r>
+          </a:p>
+          <a:p>
+            <a:pPr marL="285750" indent="-285750">
+              <a:spcAft>
+                <a:spcPts val="0"/>
+              </a:spcAft>
+              <a:buFont typeface="Arial" panose="020B0604020202020204" pitchFamily="34" charset="0"/>
+              <a:buChar char="•"/>
+            </a:pPr>
+            <a:r>
+              <a:rPr lang="sr-Latn-RS" sz="2400" dirty="0"/>
+              <a:t>Zaista granica brokera?</a:t>
+            </a:r>
+            <a:endParaRPr lang="sr-Latn-RS" sz="2400" i="1" dirty="0"/>
+          </a:p>
+        </p:txBody>
+      </p:sp>
+      <p:sp>
+        <p:nvSpPr>
+          <p:cNvPr id="5" name="Footer Placeholder 4">
+            <a:extLst>
+              <a:ext uri="{FF2B5EF4-FFF2-40B4-BE49-F238E27FC236}">
+                <a16:creationId xmlns:a16="http://schemas.microsoft.com/office/drawing/2014/main" id="{5868A4EE-6667-41FC-9B37-C014FD82EF01}"/>
+              </a:ext>
+            </a:extLst>
+          </p:cNvPr>
+          <p:cNvSpPr>
+            <a:spLocks noGrp="1"/>
+          </p:cNvSpPr>
+          <p:nvPr>
+            <p:ph type="ftr" sz="quarter" idx="11"/>
+          </p:nvPr>
+        </p:nvSpPr>
+        <p:spPr/>
+        <p:txBody>
+          <a:bodyPr/>
+          <a:lstStyle/>
+          <a:p>
+            <a:r>
+              <a:rPr lang="en-US" i="1" dirty="0" err="1">
+                <a:latin typeface="Consolas" panose="020B0609020204030204" pitchFamily="49" charset="0"/>
+              </a:rPr>
+              <a:t>robii</a:t>
+            </a:r>
+            <a:endParaRPr lang="en-US" i="1" dirty="0">
+              <a:latin typeface="Consolas" panose="020B0609020204030204" pitchFamily="49" charset="0"/>
+            </a:endParaRPr>
+          </a:p>
+        </p:txBody>
+      </p:sp>
+      <p:pic>
+        <p:nvPicPr>
+          <p:cNvPr id="3" name="Picture 2">
+            <a:extLst>
+              <a:ext uri="{FF2B5EF4-FFF2-40B4-BE49-F238E27FC236}">
+                <a16:creationId xmlns:a16="http://schemas.microsoft.com/office/drawing/2014/main" id="{8448FB8B-B325-40C1-B613-5DDB3644C9D8}"/>
+              </a:ext>
+            </a:extLst>
+          </p:cNvPr>
+          <p:cNvPicPr>
+            <a:picLocks noChangeAspect="1"/>
+          </p:cNvPicPr>
+          <p:nvPr/>
+        </p:nvPicPr>
+        <p:blipFill>
+          <a:blip r:embed="rId3"/>
+          <a:stretch>
+            <a:fillRect/>
+          </a:stretch>
+        </p:blipFill>
+        <p:spPr>
+          <a:xfrm>
+            <a:off x="5541706" y="895350"/>
+            <a:ext cx="6650294" cy="5038347"/>
+          </a:xfrm>
+          <a:prstGeom prst="rect">
+            <a:avLst/>
+          </a:prstGeom>
+        </p:spPr>
+      </p:pic>
+    </p:spTree>
+    <p:extLst>
+      <p:ext uri="{BB962C8B-B14F-4D97-AF65-F5344CB8AC3E}">
+        <p14:creationId xmlns:p14="http://schemas.microsoft.com/office/powerpoint/2010/main" val="3674733089"/>
+      </p:ext>
+    </p:extLst>
+  </p:cSld>
+  <p:clrMapOvr>
+    <a:masterClrMapping/>
+  </p:clrMapOvr>
+</p:sld>
+</file>
+
+<file path=ppt/slides/slide53.xml><?xml version="1.0" encoding="utf-8"?>
 <p:sld xmlns:a="http://schemas.openxmlformats.org/drawingml/2006/main" xmlns:r="http://schemas.openxmlformats.org/officeDocument/2006/relationships" xmlns:p="http://schemas.openxmlformats.org/presentationml/2006/main">
   <p:cSld>
     <p:spTree>
@@ -23360,228 +27276,6 @@
 </p:sld>
 </file>
 
-<file path=ppt/slides/slide5.xml><?xml version="1.0" encoding="utf-8"?>
-<p:sld xmlns:a="http://schemas.openxmlformats.org/drawingml/2006/main" xmlns:r="http://schemas.openxmlformats.org/officeDocument/2006/relationships" xmlns:p="http://schemas.openxmlformats.org/presentationml/2006/main">
-  <p:cSld>
-    <p:spTree>
-      <p:nvGrpSpPr>
-        <p:cNvPr id="1" name=""/>
-        <p:cNvGrpSpPr/>
-        <p:nvPr/>
-      </p:nvGrpSpPr>
-      <p:grpSpPr>
-        <a:xfrm>
-          <a:off x="0" y="0"/>
-          <a:ext cx="0" cy="0"/>
-          <a:chOff x="0" y="0"/>
-          <a:chExt cx="0" cy="0"/>
-        </a:xfrm>
-      </p:grpSpPr>
-      <p:sp>
-        <p:nvSpPr>
-          <p:cNvPr id="2" name="Title 1">
-            <a:extLst>
-              <a:ext uri="{FF2B5EF4-FFF2-40B4-BE49-F238E27FC236}">
-                <a16:creationId xmlns:a16="http://schemas.microsoft.com/office/drawing/2014/main" id="{5ACA4FB8-7E9D-4786-9BBC-F49AF420A5BD}"/>
-              </a:ext>
-            </a:extLst>
-          </p:cNvPr>
-          <p:cNvSpPr>
-            <a:spLocks noGrp="1"/>
-          </p:cNvSpPr>
-          <p:nvPr>
-            <p:ph type="title"/>
-          </p:nvPr>
-        </p:nvSpPr>
-        <p:spPr>
-          <a:xfrm>
-            <a:off x="1828800" y="105030"/>
-            <a:ext cx="9601200" cy="1463040"/>
-          </a:xfrm>
-        </p:spPr>
-        <p:txBody>
-          <a:bodyPr>
-            <a:normAutofit/>
-          </a:bodyPr>
-          <a:lstStyle/>
-          <a:p>
-            <a:pPr algn="ctr"/>
-            <a:r>
-              <a:rPr lang="sv-SE" sz="4400" u="sng" dirty="0">
-                <a:solidFill>
-                  <a:schemeClr val="tx1"/>
-                </a:solidFill>
-                <a:latin typeface="Times New Roman" panose="02020603050405020304" pitchFamily="18" charset="0"/>
-                <a:cs typeface="Times New Roman" panose="02020603050405020304" pitchFamily="18" charset="0"/>
-              </a:rPr>
-              <a:t>Komunikacija u distribuiranim sistemima</a:t>
-            </a:r>
-            <a:br>
-              <a:rPr lang="sv-SE" sz="4400" dirty="0">
-                <a:solidFill>
-                  <a:schemeClr val="bg1">
-                    <a:lumMod val="50000"/>
-                  </a:schemeClr>
-                </a:solidFill>
-                <a:latin typeface="Times New Roman" panose="02020603050405020304" pitchFamily="18" charset="0"/>
-                <a:cs typeface="Times New Roman" panose="02020603050405020304" pitchFamily="18" charset="0"/>
-              </a:rPr>
-            </a:br>
-            <a:r>
-              <a:rPr lang="sv-SE" sz="4400" dirty="0">
-                <a:solidFill>
-                  <a:schemeClr val="bg1">
-                    <a:lumMod val="50000"/>
-                  </a:schemeClr>
-                </a:solidFill>
-                <a:latin typeface="Times New Roman" panose="02020603050405020304" pitchFamily="18" charset="0"/>
-                <a:cs typeface="Times New Roman" panose="02020603050405020304" pitchFamily="18" charset="0"/>
-              </a:rPr>
-              <a:t>orijentisana porukama</a:t>
-            </a:r>
-            <a:endParaRPr lang="sr-Latn-RS" u="sng" dirty="0">
-              <a:solidFill>
-                <a:schemeClr val="bg1">
-                  <a:lumMod val="50000"/>
-                </a:schemeClr>
-              </a:solidFill>
-            </a:endParaRPr>
-          </a:p>
-        </p:txBody>
-      </p:sp>
-      <p:sp>
-        <p:nvSpPr>
-          <p:cNvPr id="3" name="Content Placeholder 2">
-            <a:extLst>
-              <a:ext uri="{FF2B5EF4-FFF2-40B4-BE49-F238E27FC236}">
-                <a16:creationId xmlns:a16="http://schemas.microsoft.com/office/drawing/2014/main" id="{154B85BB-956C-4FAC-87EA-FEA8BEC1100C}"/>
-              </a:ext>
-            </a:extLst>
-          </p:cNvPr>
-          <p:cNvSpPr>
-            <a:spLocks noGrp="1"/>
-          </p:cNvSpPr>
-          <p:nvPr>
-            <p:ph idx="1"/>
-          </p:nvPr>
-        </p:nvSpPr>
-        <p:spPr>
-          <a:xfrm>
-            <a:off x="1295400" y="1448503"/>
-            <a:ext cx="9601200" cy="5084033"/>
-          </a:xfrm>
-        </p:spPr>
-        <p:txBody>
-          <a:bodyPr>
-            <a:normAutofit/>
-          </a:bodyPr>
-          <a:lstStyle/>
-          <a:p>
-            <a:r>
-              <a:rPr lang="sr-Latn-RS" sz="2400" dirty="0"/>
-              <a:t>Distribucija sistema</a:t>
-            </a:r>
-          </a:p>
-          <a:p>
-            <a:r>
-              <a:rPr lang="sr-Latn-RS" sz="2400" dirty="0"/>
-              <a:t>Komunikacija</a:t>
-            </a:r>
-          </a:p>
-        </p:txBody>
-      </p:sp>
-      <p:sp>
-        <p:nvSpPr>
-          <p:cNvPr id="6" name="Footer Placeholder 3">
-            <a:extLst>
-              <a:ext uri="{FF2B5EF4-FFF2-40B4-BE49-F238E27FC236}">
-                <a16:creationId xmlns:a16="http://schemas.microsoft.com/office/drawing/2014/main" id="{85EAE0D5-9F56-454A-BB39-BA8D579FBF11}"/>
-              </a:ext>
-            </a:extLst>
-          </p:cNvPr>
-          <p:cNvSpPr>
-            <a:spLocks noGrp="1"/>
-          </p:cNvSpPr>
-          <p:nvPr>
-            <p:ph type="ftr" sz="quarter" idx="11"/>
-          </p:nvPr>
-        </p:nvSpPr>
-        <p:spPr>
-          <a:xfrm>
-            <a:off x="2955585" y="6412969"/>
-            <a:ext cx="6280830" cy="404614"/>
-          </a:xfrm>
-        </p:spPr>
-        <p:txBody>
-          <a:bodyPr/>
-          <a:lstStyle/>
-          <a:p>
-            <a:pPr algn="ctr"/>
-            <a:r>
-              <a:rPr lang="en-US" sz="1100" i="1" dirty="0" err="1">
-                <a:solidFill>
-                  <a:schemeClr val="bg1">
-                    <a:lumMod val="50000"/>
-                  </a:schemeClr>
-                </a:solidFill>
-                <a:latin typeface="Consolas" panose="020B0609020204030204" pitchFamily="49" charset="0"/>
-              </a:rPr>
-              <a:t>robii</a:t>
-            </a:r>
-            <a:endParaRPr lang="en-US" sz="1100" i="1" dirty="0">
-              <a:solidFill>
-                <a:schemeClr val="bg1">
-                  <a:lumMod val="50000"/>
-                </a:schemeClr>
-              </a:solidFill>
-              <a:latin typeface="Consolas" panose="020B0609020204030204" pitchFamily="49" charset="0"/>
-            </a:endParaRPr>
-          </a:p>
-        </p:txBody>
-      </p:sp>
-      <p:pic>
-        <p:nvPicPr>
-          <p:cNvPr id="5" name="Picture 4">
-            <a:extLst>
-              <a:ext uri="{FF2B5EF4-FFF2-40B4-BE49-F238E27FC236}">
-                <a16:creationId xmlns:a16="http://schemas.microsoft.com/office/drawing/2014/main" id="{0256EEDF-ED55-458B-8B40-CA3C014819D0}"/>
-              </a:ext>
-            </a:extLst>
-          </p:cNvPr>
-          <p:cNvPicPr>
-            <a:picLocks noChangeAspect="1"/>
-          </p:cNvPicPr>
-          <p:nvPr/>
-        </p:nvPicPr>
-        <p:blipFill>
-          <a:blip r:embed="rId2"/>
-          <a:stretch>
-            <a:fillRect/>
-          </a:stretch>
-        </p:blipFill>
-        <p:spPr>
-          <a:xfrm>
-            <a:off x="7092566" y="2020321"/>
-            <a:ext cx="4287698" cy="3940395"/>
-          </a:xfrm>
-          <a:prstGeom prst="rect">
-            <a:avLst/>
-          </a:prstGeom>
-        </p:spPr>
-      </p:pic>
-    </p:spTree>
-    <p:extLst>
-      <p:ext uri="{BB962C8B-B14F-4D97-AF65-F5344CB8AC3E}">
-        <p14:creationId xmlns:p14="http://schemas.microsoft.com/office/powerpoint/2010/main" val="2702079614"/>
-      </p:ext>
-    </p:extLst>
-  </p:cSld>
-  <p:clrMapOvr>
-    <a:masterClrMapping/>
-  </p:clrMapOvr>
-</p:sld>
-</file>
-
 <file path=ppt/slides/slide6.xml><?xml version="1.0" encoding="utf-8"?>
 <p:sld xmlns:a="http://schemas.openxmlformats.org/drawingml/2006/main" xmlns:r="http://schemas.openxmlformats.org/officeDocument/2006/relationships" xmlns:p="http://schemas.openxmlformats.org/presentationml/2006/main">
   <p:cSld>
@@ -23793,7 +27487,7 @@
           <p:nvPr/>
         </p:nvPicPr>
         <p:blipFill>
-          <a:blip r:embed="rId2"/>
+          <a:blip r:embed="rId3"/>
           <a:stretch>
             <a:fillRect/>
           </a:stretch>
@@ -24024,7 +27718,7 @@
           <p:nvPr/>
         </p:nvPicPr>
         <p:blipFill>
-          <a:blip r:embed="rId2"/>
+          <a:blip r:embed="rId3"/>
           <a:stretch>
             <a:fillRect/>
           </a:stretch>
@@ -24262,7 +27956,7 @@
           <p:nvPr/>
         </p:nvPicPr>
         <p:blipFill>
-          <a:blip r:embed="rId2" cstate="print">
+          <a:blip r:embed="rId3" cstate="print">
             <a:extLst>
               <a:ext uri="{28A0092B-C50C-407E-A947-70E740481C1C}">
                 <a14:useLocalDpi xmlns:a14="http://schemas.microsoft.com/office/drawing/2010/main" val="0"/>
@@ -24369,7 +28063,7 @@
           </p:nvPr>
         </p:nvPicPr>
         <p:blipFill>
-          <a:blip r:embed="rId2">
+          <a:blip r:embed="rId3">
             <a:extLst>
               <a:ext uri="{28A0092B-C50C-407E-A947-70E740481C1C}">
                 <a14:useLocalDpi xmlns:a14="http://schemas.microsoft.com/office/drawing/2010/main" val="0"/>
@@ -24540,7 +28234,7 @@
           <p:nvPr/>
         </p:nvPicPr>
         <p:blipFill>
-          <a:blip r:embed="rId3">
+          <a:blip r:embed="rId4">
             <a:extLst>
               <a:ext uri="{28A0092B-C50C-407E-A947-70E740481C1C}">
                 <a14:useLocalDpi xmlns:a14="http://schemas.microsoft.com/office/drawing/2010/main" val="0"/>
@@ -24587,7 +28281,7 @@
           <p:nvPr/>
         </p:nvPicPr>
         <p:blipFill>
-          <a:blip r:embed="rId4">
+          <a:blip r:embed="rId5">
             <a:extLst>
               <a:ext uri="{28A0092B-C50C-407E-A947-70E740481C1C}">
                 <a14:useLocalDpi xmlns:a14="http://schemas.microsoft.com/office/drawing/2010/main" val="0"/>
